--- a/cocktails.pptx
+++ b/cocktails.pptx
@@ -7,10 +7,10 @@
     <p:sldMasterId id="2147483708" r:id="rId3"/>
   </p:sldMasterIdLst>
   <p:notesMasterIdLst>
-    <p:notesMasterId r:id="rId10"/>
+    <p:notesMasterId r:id="rId18"/>
   </p:notesMasterIdLst>
   <p:handoutMasterIdLst>
-    <p:handoutMasterId r:id="rId11"/>
+    <p:handoutMasterId r:id="rId19"/>
   </p:handoutMasterIdLst>
   <p:sldIdLst>
     <p:sldId id="259" r:id="rId4"/>
@@ -19,6 +19,14 @@
     <p:sldId id="262" r:id="rId7"/>
     <p:sldId id="263" r:id="rId8"/>
     <p:sldId id="264" r:id="rId9"/>
+    <p:sldId id="269" r:id="rId10"/>
+    <p:sldId id="273" r:id="rId11"/>
+    <p:sldId id="271" r:id="rId12"/>
+    <p:sldId id="272" r:id="rId13"/>
+    <p:sldId id="265" r:id="rId14"/>
+    <p:sldId id="266" r:id="rId15"/>
+    <p:sldId id="267" r:id="rId16"/>
+    <p:sldId id="268" r:id="rId17"/>
   </p:sldIdLst>
   <p:sldSz cx="9144000" cy="6858000" type="screen4x3"/>
   <p:notesSz cx="6858000" cy="9144000"/>
@@ -119,7 +127,7 @@
   </p:defaultTextStyle>
   <p:extLst>
     <p:ext uri="{EFAFB233-063F-42B5-8137-9DF3F51BA10A}">
-      <p15:sldGuideLst xmlns:p15="http://schemas.microsoft.com/office/powerpoint/2012/main" xmlns="">
+      <p15:sldGuideLst xmlns:p15="http://schemas.microsoft.com/office/powerpoint/2012/main">
         <p15:guide id="1" orient="horz" pos="2160">
           <p15:clr>
             <a:srgbClr val="A4A3A4"/>
@@ -133,7 +141,7 @@
       </p15:sldGuideLst>
     </p:ext>
     <p:ext uri="{2D200454-40CA-4A62-9FC3-DE9A4176ACB9}">
-      <p15:notesGuideLst xmlns:p15="http://schemas.microsoft.com/office/powerpoint/2012/main" xmlns="">
+      <p15:notesGuideLst xmlns:p15="http://schemas.microsoft.com/office/powerpoint/2012/main">
         <p15:guide id="1" orient="horz" pos="2880">
           <p15:clr>
             <a:srgbClr val="A4A3A4"/>
@@ -233,7 +241,7 @@
             <a:fld id="{F64383B4-059D-4B18-AC0D-E10910300850}" type="datetimeFigureOut">
               <a:rPr lang="cs-CZ" smtClean="0"/>
               <a:pPr/>
-              <a:t>6. 12. 2019</a:t>
+              <a:t>9. 12. 2019</a:t>
             </a:fld>
             <a:endParaRPr lang="cs-CZ"/>
           </a:p>
@@ -400,7 +408,7 @@
             <a:fld id="{08A03E4A-088C-4F48-AA8C-B1A37BE63C67}" type="datetimeFigureOut">
               <a:rPr lang="cs-CZ" smtClean="0"/>
               <a:pPr/>
-              <a:t>6. 12. 2019</a:t>
+              <a:t>9. 12. 2019</a:t>
             </a:fld>
             <a:endParaRPr lang="cs-CZ"/>
           </a:p>
@@ -754,6 +762,556 @@
 </p:notes>
 </file>
 
+<file path=ppt/notesSlides/notesSlide2.xml><?xml version="1.0" encoding="utf-8"?>
+<p:notes xmlns:a="http://schemas.openxmlformats.org/drawingml/2006/main" xmlns:r="http://schemas.openxmlformats.org/officeDocument/2006/relationships" xmlns:p="http://schemas.openxmlformats.org/presentationml/2006/main">
+  <p:cSld>
+    <p:spTree>
+      <p:nvGrpSpPr>
+        <p:cNvPr id="1" name=""/>
+        <p:cNvGrpSpPr/>
+        <p:nvPr/>
+      </p:nvGrpSpPr>
+      <p:grpSpPr>
+        <a:xfrm>
+          <a:off x="0" y="0"/>
+          <a:ext cx="0" cy="0"/>
+          <a:chOff x="0" y="0"/>
+          <a:chExt cx="0" cy="0"/>
+        </a:xfrm>
+      </p:grpSpPr>
+      <p:sp>
+        <p:nvSpPr>
+          <p:cNvPr id="2" name="Slide Image Placeholder 1"/>
+          <p:cNvSpPr>
+            <a:spLocks noGrp="1" noRot="1" noChangeAspect="1"/>
+          </p:cNvSpPr>
+          <p:nvPr>
+            <p:ph type="sldImg"/>
+          </p:nvPr>
+        </p:nvSpPr>
+        <p:spPr/>
+      </p:sp>
+      <p:sp>
+        <p:nvSpPr>
+          <p:cNvPr id="3" name="Notes Placeholder 2"/>
+          <p:cNvSpPr>
+            <a:spLocks noGrp="1"/>
+          </p:cNvSpPr>
+          <p:nvPr>
+            <p:ph type="body" idx="1"/>
+          </p:nvPr>
+        </p:nvSpPr>
+        <p:spPr/>
+        <p:txBody>
+          <a:bodyPr/>
+          <a:lstStyle/>
+          <a:p>
+            <a:r>
+              <a:rPr lang="en-US" dirty="0" smtClean="0"/>
+              <a:t>Describe the distribution of values – fairly equal # of base spirits, …</a:t>
+            </a:r>
+            <a:endParaRPr lang="en-US" dirty="0"/>
+          </a:p>
+        </p:txBody>
+      </p:sp>
+      <p:sp>
+        <p:nvSpPr>
+          <p:cNvPr id="4" name="Slide Number Placeholder 3"/>
+          <p:cNvSpPr>
+            <a:spLocks noGrp="1"/>
+          </p:cNvSpPr>
+          <p:nvPr>
+            <p:ph type="sldNum" sz="quarter" idx="10"/>
+          </p:nvPr>
+        </p:nvSpPr>
+        <p:spPr/>
+        <p:txBody>
+          <a:bodyPr/>
+          <a:lstStyle/>
+          <a:p>
+            <a:fld id="{33EFAA6C-2AC7-4B7E-83E0-5928ADC34D0B}" type="slidenum">
+              <a:rPr lang="cs-CZ" smtClean="0"/>
+              <a:pPr/>
+              <a:t>4</a:t>
+            </a:fld>
+            <a:endParaRPr lang="cs-CZ"/>
+          </a:p>
+        </p:txBody>
+      </p:sp>
+    </p:spTree>
+    <p:extLst>
+      <p:ext uri="{BB962C8B-B14F-4D97-AF65-F5344CB8AC3E}">
+        <p14:creationId xmlns:p14="http://schemas.microsoft.com/office/powerpoint/2010/main" val="2693136727"/>
+      </p:ext>
+    </p:extLst>
+  </p:cSld>
+  <p:clrMapOvr>
+    <a:masterClrMapping/>
+  </p:clrMapOvr>
+</p:notes>
+</file>
+
+<file path=ppt/notesSlides/notesSlide3.xml><?xml version="1.0" encoding="utf-8"?>
+<p:notes xmlns:a="http://schemas.openxmlformats.org/drawingml/2006/main" xmlns:r="http://schemas.openxmlformats.org/officeDocument/2006/relationships" xmlns:p="http://schemas.openxmlformats.org/presentationml/2006/main">
+  <p:cSld>
+    <p:spTree>
+      <p:nvGrpSpPr>
+        <p:cNvPr id="1" name=""/>
+        <p:cNvGrpSpPr/>
+        <p:nvPr/>
+      </p:nvGrpSpPr>
+      <p:grpSpPr>
+        <a:xfrm>
+          <a:off x="0" y="0"/>
+          <a:ext cx="0" cy="0"/>
+          <a:chOff x="0" y="0"/>
+          <a:chExt cx="0" cy="0"/>
+        </a:xfrm>
+      </p:grpSpPr>
+      <p:sp>
+        <p:nvSpPr>
+          <p:cNvPr id="2" name="Slide Image Placeholder 1"/>
+          <p:cNvSpPr>
+            <a:spLocks noGrp="1" noRot="1" noChangeAspect="1"/>
+          </p:cNvSpPr>
+          <p:nvPr>
+            <p:ph type="sldImg"/>
+          </p:nvPr>
+        </p:nvSpPr>
+        <p:spPr/>
+      </p:sp>
+      <p:sp>
+        <p:nvSpPr>
+          <p:cNvPr id="3" name="Notes Placeholder 2"/>
+          <p:cNvSpPr>
+            <a:spLocks noGrp="1"/>
+          </p:cNvSpPr>
+          <p:nvPr>
+            <p:ph type="body" idx="1"/>
+          </p:nvPr>
+        </p:nvSpPr>
+        <p:spPr/>
+        <p:txBody>
+          <a:bodyPr/>
+          <a:lstStyle/>
+          <a:p>
+            <a:r>
+              <a:rPr lang="en-US" dirty="0" smtClean="0"/>
+              <a:t>We’re using basic TF-IDF – 5 more or less similar methods</a:t>
+            </a:r>
+            <a:r>
+              <a:rPr lang="en-US" baseline="0" dirty="0" smtClean="0"/>
+              <a:t> – differ in keywords used .., user profile consists of the drinks he likes, recommendation takes every drink and outputs a list of top30 (passed the eye test the best) similar drinks, then randomly select desired count to display – ensures high % for drinks similar to multiple from profile and also some exploration</a:t>
+            </a:r>
+            <a:endParaRPr lang="en-US" dirty="0"/>
+          </a:p>
+        </p:txBody>
+      </p:sp>
+      <p:sp>
+        <p:nvSpPr>
+          <p:cNvPr id="4" name="Slide Number Placeholder 3"/>
+          <p:cNvSpPr>
+            <a:spLocks noGrp="1"/>
+          </p:cNvSpPr>
+          <p:nvPr>
+            <p:ph type="sldNum" sz="quarter" idx="10"/>
+          </p:nvPr>
+        </p:nvSpPr>
+        <p:spPr/>
+        <p:txBody>
+          <a:bodyPr/>
+          <a:lstStyle/>
+          <a:p>
+            <a:fld id="{33EFAA6C-2AC7-4B7E-83E0-5928ADC34D0B}" type="slidenum">
+              <a:rPr lang="cs-CZ" smtClean="0"/>
+              <a:pPr/>
+              <a:t>6</a:t>
+            </a:fld>
+            <a:endParaRPr lang="cs-CZ"/>
+          </a:p>
+        </p:txBody>
+      </p:sp>
+    </p:spTree>
+    <p:extLst>
+      <p:ext uri="{BB962C8B-B14F-4D97-AF65-F5344CB8AC3E}">
+        <p14:creationId xmlns:p14="http://schemas.microsoft.com/office/powerpoint/2010/main" val="1560827664"/>
+      </p:ext>
+    </p:extLst>
+  </p:cSld>
+  <p:clrMapOvr>
+    <a:masterClrMapping/>
+  </p:clrMapOvr>
+</p:notes>
+</file>
+
+<file path=ppt/notesSlides/notesSlide4.xml><?xml version="1.0" encoding="utf-8"?>
+<p:notes xmlns:a="http://schemas.openxmlformats.org/drawingml/2006/main" xmlns:r="http://schemas.openxmlformats.org/officeDocument/2006/relationships" xmlns:p="http://schemas.openxmlformats.org/presentationml/2006/main">
+  <p:cSld>
+    <p:spTree>
+      <p:nvGrpSpPr>
+        <p:cNvPr id="1" name=""/>
+        <p:cNvGrpSpPr/>
+        <p:nvPr/>
+      </p:nvGrpSpPr>
+      <p:grpSpPr>
+        <a:xfrm>
+          <a:off x="0" y="0"/>
+          <a:ext cx="0" cy="0"/>
+          <a:chOff x="0" y="0"/>
+          <a:chExt cx="0" cy="0"/>
+        </a:xfrm>
+      </p:grpSpPr>
+      <p:sp>
+        <p:nvSpPr>
+          <p:cNvPr id="2" name="Slide Image Placeholder 1"/>
+          <p:cNvSpPr>
+            <a:spLocks noGrp="1" noRot="1" noChangeAspect="1"/>
+          </p:cNvSpPr>
+          <p:nvPr>
+            <p:ph type="sldImg"/>
+          </p:nvPr>
+        </p:nvSpPr>
+        <p:spPr/>
+      </p:sp>
+      <p:sp>
+        <p:nvSpPr>
+          <p:cNvPr id="3" name="Notes Placeholder 2"/>
+          <p:cNvSpPr>
+            <a:spLocks noGrp="1"/>
+          </p:cNvSpPr>
+          <p:nvPr>
+            <p:ph type="body" idx="1"/>
+          </p:nvPr>
+        </p:nvSpPr>
+        <p:spPr/>
+        <p:txBody>
+          <a:bodyPr/>
+          <a:lstStyle/>
+          <a:p>
+            <a:r>
+              <a:rPr lang="en-US" dirty="0" smtClean="0"/>
+              <a:t>Works really good</a:t>
+            </a:r>
+            <a:r>
+              <a:rPr lang="en-US" baseline="0" dirty="0" smtClean="0"/>
+              <a:t> with exploring twists - drinks with slight alternations. Catches onto what makes the drinks similar. But the results might be a bit too similar – poor exploration. Also damned duplicates.</a:t>
+            </a:r>
+            <a:endParaRPr lang="en-US" dirty="0"/>
+          </a:p>
+        </p:txBody>
+      </p:sp>
+      <p:sp>
+        <p:nvSpPr>
+          <p:cNvPr id="4" name="Slide Number Placeholder 3"/>
+          <p:cNvSpPr>
+            <a:spLocks noGrp="1"/>
+          </p:cNvSpPr>
+          <p:nvPr>
+            <p:ph type="sldNum" sz="quarter" idx="10"/>
+          </p:nvPr>
+        </p:nvSpPr>
+        <p:spPr/>
+        <p:txBody>
+          <a:bodyPr/>
+          <a:lstStyle/>
+          <a:p>
+            <a:fld id="{33EFAA6C-2AC7-4B7E-83E0-5928ADC34D0B}" type="slidenum">
+              <a:rPr lang="cs-CZ" smtClean="0"/>
+              <a:pPr/>
+              <a:t>7</a:t>
+            </a:fld>
+            <a:endParaRPr lang="cs-CZ"/>
+          </a:p>
+        </p:txBody>
+      </p:sp>
+    </p:spTree>
+    <p:extLst>
+      <p:ext uri="{BB962C8B-B14F-4D97-AF65-F5344CB8AC3E}">
+        <p14:creationId xmlns:p14="http://schemas.microsoft.com/office/powerpoint/2010/main" val="325249223"/>
+      </p:ext>
+    </p:extLst>
+  </p:cSld>
+  <p:clrMapOvr>
+    <a:masterClrMapping/>
+  </p:clrMapOvr>
+</p:notes>
+</file>
+
+<file path=ppt/notesSlides/notesSlide5.xml><?xml version="1.0" encoding="utf-8"?>
+<p:notes xmlns:a="http://schemas.openxmlformats.org/drawingml/2006/main" xmlns:r="http://schemas.openxmlformats.org/officeDocument/2006/relationships" xmlns:p="http://schemas.openxmlformats.org/presentationml/2006/main">
+  <p:cSld>
+    <p:spTree>
+      <p:nvGrpSpPr>
+        <p:cNvPr id="1" name=""/>
+        <p:cNvGrpSpPr/>
+        <p:nvPr/>
+      </p:nvGrpSpPr>
+      <p:grpSpPr>
+        <a:xfrm>
+          <a:off x="0" y="0"/>
+          <a:ext cx="0" cy="0"/>
+          <a:chOff x="0" y="0"/>
+          <a:chExt cx="0" cy="0"/>
+        </a:xfrm>
+      </p:grpSpPr>
+      <p:sp>
+        <p:nvSpPr>
+          <p:cNvPr id="2" name="Slide Image Placeholder 1"/>
+          <p:cNvSpPr>
+            <a:spLocks noGrp="1" noRot="1" noChangeAspect="1"/>
+          </p:cNvSpPr>
+          <p:nvPr>
+            <p:ph type="sldImg"/>
+          </p:nvPr>
+        </p:nvSpPr>
+        <p:spPr/>
+      </p:sp>
+      <p:sp>
+        <p:nvSpPr>
+          <p:cNvPr id="3" name="Notes Placeholder 2"/>
+          <p:cNvSpPr>
+            <a:spLocks noGrp="1"/>
+          </p:cNvSpPr>
+          <p:nvPr>
+            <p:ph type="body" idx="1"/>
+          </p:nvPr>
+        </p:nvSpPr>
+        <p:spPr/>
+        <p:txBody>
+          <a:bodyPr/>
+          <a:lstStyle/>
+          <a:p>
+            <a:r>
+              <a:rPr lang="en-US" dirty="0" smtClean="0"/>
+              <a:t>Can</a:t>
+            </a:r>
+            <a:r>
+              <a:rPr lang="en-US" baseline="0" dirty="0" smtClean="0"/>
+              <a:t> pick up onto unusual similarities – same book, same series of drinks .. First problem – some drinks were missing descriptions … Another – descriptions mention unrelated drinks</a:t>
+            </a:r>
+            <a:endParaRPr lang="en-US" dirty="0"/>
+          </a:p>
+        </p:txBody>
+      </p:sp>
+      <p:sp>
+        <p:nvSpPr>
+          <p:cNvPr id="4" name="Slide Number Placeholder 3"/>
+          <p:cNvSpPr>
+            <a:spLocks noGrp="1"/>
+          </p:cNvSpPr>
+          <p:nvPr>
+            <p:ph type="sldNum" sz="quarter" idx="10"/>
+          </p:nvPr>
+        </p:nvSpPr>
+        <p:spPr/>
+        <p:txBody>
+          <a:bodyPr/>
+          <a:lstStyle/>
+          <a:p>
+            <a:fld id="{33EFAA6C-2AC7-4B7E-83E0-5928ADC34D0B}" type="slidenum">
+              <a:rPr lang="cs-CZ" smtClean="0"/>
+              <a:pPr/>
+              <a:t>8</a:t>
+            </a:fld>
+            <a:endParaRPr lang="cs-CZ"/>
+          </a:p>
+        </p:txBody>
+      </p:sp>
+    </p:spTree>
+    <p:extLst>
+      <p:ext uri="{BB962C8B-B14F-4D97-AF65-F5344CB8AC3E}">
+        <p14:creationId xmlns:p14="http://schemas.microsoft.com/office/powerpoint/2010/main" val="3899195750"/>
+      </p:ext>
+    </p:extLst>
+  </p:cSld>
+  <p:clrMapOvr>
+    <a:masterClrMapping/>
+  </p:clrMapOvr>
+</p:notes>
+</file>
+
+<file path=ppt/notesSlides/notesSlide6.xml><?xml version="1.0" encoding="utf-8"?>
+<p:notes xmlns:a="http://schemas.openxmlformats.org/drawingml/2006/main" xmlns:r="http://schemas.openxmlformats.org/officeDocument/2006/relationships" xmlns:p="http://schemas.openxmlformats.org/presentationml/2006/main">
+  <p:cSld>
+    <p:spTree>
+      <p:nvGrpSpPr>
+        <p:cNvPr id="1" name=""/>
+        <p:cNvGrpSpPr/>
+        <p:nvPr/>
+      </p:nvGrpSpPr>
+      <p:grpSpPr>
+        <a:xfrm>
+          <a:off x="0" y="0"/>
+          <a:ext cx="0" cy="0"/>
+          <a:chOff x="0" y="0"/>
+          <a:chExt cx="0" cy="0"/>
+        </a:xfrm>
+      </p:grpSpPr>
+      <p:sp>
+        <p:nvSpPr>
+          <p:cNvPr id="2" name="Slide Image Placeholder 1"/>
+          <p:cNvSpPr>
+            <a:spLocks noGrp="1" noRot="1" noChangeAspect="1"/>
+          </p:cNvSpPr>
+          <p:nvPr>
+            <p:ph type="sldImg"/>
+          </p:nvPr>
+        </p:nvSpPr>
+        <p:spPr/>
+      </p:sp>
+      <p:sp>
+        <p:nvSpPr>
+          <p:cNvPr id="3" name="Notes Placeholder 2"/>
+          <p:cNvSpPr>
+            <a:spLocks noGrp="1"/>
+          </p:cNvSpPr>
+          <p:nvPr>
+            <p:ph type="body" idx="1"/>
+          </p:nvPr>
+        </p:nvSpPr>
+        <p:spPr/>
+        <p:txBody>
+          <a:bodyPr/>
+          <a:lstStyle/>
+          <a:p>
+            <a:r>
+              <a:rPr lang="en-US" dirty="0" smtClean="0"/>
+              <a:t>Combined keywords from both .. Good mix od very similar items with items similar on some unusual way … sometimes though bad items bubble through</a:t>
+            </a:r>
+            <a:endParaRPr lang="en-US" dirty="0"/>
+          </a:p>
+        </p:txBody>
+      </p:sp>
+      <p:sp>
+        <p:nvSpPr>
+          <p:cNvPr id="4" name="Slide Number Placeholder 3"/>
+          <p:cNvSpPr>
+            <a:spLocks noGrp="1"/>
+          </p:cNvSpPr>
+          <p:nvPr>
+            <p:ph type="sldNum" sz="quarter" idx="10"/>
+          </p:nvPr>
+        </p:nvSpPr>
+        <p:spPr/>
+        <p:txBody>
+          <a:bodyPr/>
+          <a:lstStyle/>
+          <a:p>
+            <a:fld id="{33EFAA6C-2AC7-4B7E-83E0-5928ADC34D0B}" type="slidenum">
+              <a:rPr lang="cs-CZ" smtClean="0"/>
+              <a:pPr/>
+              <a:t>9</a:t>
+            </a:fld>
+            <a:endParaRPr lang="cs-CZ"/>
+          </a:p>
+        </p:txBody>
+      </p:sp>
+    </p:spTree>
+    <p:extLst>
+      <p:ext uri="{BB962C8B-B14F-4D97-AF65-F5344CB8AC3E}">
+        <p14:creationId xmlns:p14="http://schemas.microsoft.com/office/powerpoint/2010/main" val="4032023025"/>
+      </p:ext>
+    </p:extLst>
+  </p:cSld>
+  <p:clrMapOvr>
+    <a:masterClrMapping/>
+  </p:clrMapOvr>
+</p:notes>
+</file>
+
+<file path=ppt/notesSlides/notesSlide7.xml><?xml version="1.0" encoding="utf-8"?>
+<p:notes xmlns:a="http://schemas.openxmlformats.org/drawingml/2006/main" xmlns:r="http://schemas.openxmlformats.org/officeDocument/2006/relationships" xmlns:p="http://schemas.openxmlformats.org/presentationml/2006/main">
+  <p:cSld>
+    <p:spTree>
+      <p:nvGrpSpPr>
+        <p:cNvPr id="1" name=""/>
+        <p:cNvGrpSpPr/>
+        <p:nvPr/>
+      </p:nvGrpSpPr>
+      <p:grpSpPr>
+        <a:xfrm>
+          <a:off x="0" y="0"/>
+          <a:ext cx="0" cy="0"/>
+          <a:chOff x="0" y="0"/>
+          <a:chExt cx="0" cy="0"/>
+        </a:xfrm>
+      </p:grpSpPr>
+      <p:sp>
+        <p:nvSpPr>
+          <p:cNvPr id="2" name="Slide Image Placeholder 1"/>
+          <p:cNvSpPr>
+            <a:spLocks noGrp="1" noRot="1" noChangeAspect="1"/>
+          </p:cNvSpPr>
+          <p:nvPr>
+            <p:ph type="sldImg"/>
+          </p:nvPr>
+        </p:nvSpPr>
+        <p:spPr/>
+      </p:sp>
+      <p:sp>
+        <p:nvSpPr>
+          <p:cNvPr id="3" name="Notes Placeholder 2"/>
+          <p:cNvSpPr>
+            <a:spLocks noGrp="1"/>
+          </p:cNvSpPr>
+          <p:nvPr>
+            <p:ph type="body" idx="1"/>
+          </p:nvPr>
+        </p:nvSpPr>
+        <p:spPr/>
+        <p:txBody>
+          <a:bodyPr/>
+          <a:lstStyle/>
+          <a:p>
+            <a:r>
+              <a:rPr lang="en-US" dirty="0" smtClean="0"/>
+              <a:t>Ingredients and how it’s Served. Results should</a:t>
+            </a:r>
+            <a:r>
+              <a:rPr lang="en-US" baseline="0" dirty="0" smtClean="0"/>
+              <a:t> be more similar in the ‘right’ categories</a:t>
+            </a:r>
+            <a:endParaRPr lang="en-US" dirty="0"/>
+          </a:p>
+        </p:txBody>
+      </p:sp>
+      <p:sp>
+        <p:nvSpPr>
+          <p:cNvPr id="4" name="Slide Number Placeholder 3"/>
+          <p:cNvSpPr>
+            <a:spLocks noGrp="1"/>
+          </p:cNvSpPr>
+          <p:nvPr>
+            <p:ph type="sldNum" sz="quarter" idx="10"/>
+          </p:nvPr>
+        </p:nvSpPr>
+        <p:spPr/>
+        <p:txBody>
+          <a:bodyPr/>
+          <a:lstStyle/>
+          <a:p>
+            <a:fld id="{33EFAA6C-2AC7-4B7E-83E0-5928ADC34D0B}" type="slidenum">
+              <a:rPr lang="cs-CZ" smtClean="0"/>
+              <a:pPr/>
+              <a:t>10</a:t>
+            </a:fld>
+            <a:endParaRPr lang="cs-CZ"/>
+          </a:p>
+        </p:txBody>
+      </p:sp>
+    </p:spTree>
+    <p:extLst>
+      <p:ext uri="{BB962C8B-B14F-4D97-AF65-F5344CB8AC3E}">
+        <p14:creationId xmlns:p14="http://schemas.microsoft.com/office/powerpoint/2010/main" val="3739447310"/>
+      </p:ext>
+    </p:extLst>
+  </p:cSld>
+  <p:clrMapOvr>
+    <a:masterClrMapping/>
+  </p:clrMapOvr>
+</p:notes>
+</file>
+
 <file path=ppt/slideLayouts/slideLayout1.xml><?xml version="1.0" encoding="utf-8"?>
 <p:sldLayout xmlns:a="http://schemas.openxmlformats.org/drawingml/2006/main" xmlns:r="http://schemas.openxmlformats.org/officeDocument/2006/relationships" xmlns:p="http://schemas.openxmlformats.org/presentationml/2006/main" type="title" preserve="1">
   <p:cSld name="Title Slide">
@@ -936,7 +1494,7 @@
             <a:fld id="{FBDE739C-6976-4186-B869-F8715C88313A}" type="datetimeFigureOut">
               <a:rPr lang="cs-CZ" smtClean="0"/>
               <a:pPr/>
-              <a:t>6. 12. 2019</a:t>
+              <a:t>9. 12. 2019</a:t>
             </a:fld>
             <a:endParaRPr lang="cs-CZ"/>
           </a:p>
@@ -1108,7 +1666,7 @@
             <a:fld id="{FBDE739C-6976-4186-B869-F8715C88313A}" type="datetimeFigureOut">
               <a:rPr lang="cs-CZ" smtClean="0"/>
               <a:pPr/>
-              <a:t>6. 12. 2019</a:t>
+              <a:t>9. 12. 2019</a:t>
             </a:fld>
             <a:endParaRPr lang="cs-CZ"/>
           </a:p>
@@ -1290,7 +1848,7 @@
             <a:fld id="{FBDE739C-6976-4186-B869-F8715C88313A}" type="datetimeFigureOut">
               <a:rPr lang="cs-CZ" smtClean="0"/>
               <a:pPr/>
-              <a:t>6. 12. 2019</a:t>
+              <a:t>9. 12. 2019</a:t>
             </a:fld>
             <a:endParaRPr lang="cs-CZ"/>
           </a:p>
@@ -1534,7 +2092,7 @@
             <a:fld id="{2ABB2527-7C79-45A7-A85F-02EBEB396A2D}" type="datetimeFigureOut">
               <a:rPr lang="cs-CZ" smtClean="0"/>
               <a:pPr/>
-              <a:t>6. 12. 2019</a:t>
+              <a:t>9. 12. 2019</a:t>
             </a:fld>
             <a:endParaRPr lang="cs-CZ"/>
           </a:p>
@@ -1706,7 +2264,7 @@
             <a:fld id="{2ABB2527-7C79-45A7-A85F-02EBEB396A2D}" type="datetimeFigureOut">
               <a:rPr lang="cs-CZ" smtClean="0"/>
               <a:pPr/>
-              <a:t>6. 12. 2019</a:t>
+              <a:t>9. 12. 2019</a:t>
             </a:fld>
             <a:endParaRPr lang="cs-CZ"/>
           </a:p>
@@ -1954,7 +2512,7 @@
             <a:fld id="{2ABB2527-7C79-45A7-A85F-02EBEB396A2D}" type="datetimeFigureOut">
               <a:rPr lang="cs-CZ" smtClean="0"/>
               <a:pPr/>
-              <a:t>6. 12. 2019</a:t>
+              <a:t>9. 12. 2019</a:t>
             </a:fld>
             <a:endParaRPr lang="cs-CZ"/>
           </a:p>
@@ -2244,7 +2802,7 @@
             <a:fld id="{2ABB2527-7C79-45A7-A85F-02EBEB396A2D}" type="datetimeFigureOut">
               <a:rPr lang="cs-CZ" smtClean="0"/>
               <a:pPr/>
-              <a:t>6. 12. 2019</a:t>
+              <a:t>9. 12. 2019</a:t>
             </a:fld>
             <a:endParaRPr lang="cs-CZ"/>
           </a:p>
@@ -2668,7 +3226,7 @@
             <a:fld id="{2ABB2527-7C79-45A7-A85F-02EBEB396A2D}" type="datetimeFigureOut">
               <a:rPr lang="cs-CZ" smtClean="0"/>
               <a:pPr/>
-              <a:t>6. 12. 2019</a:t>
+              <a:t>9. 12. 2019</a:t>
             </a:fld>
             <a:endParaRPr lang="cs-CZ"/>
           </a:p>
@@ -2788,7 +3346,7 @@
             <a:fld id="{2ABB2527-7C79-45A7-A85F-02EBEB396A2D}" type="datetimeFigureOut">
               <a:rPr lang="cs-CZ" smtClean="0"/>
               <a:pPr/>
-              <a:t>6. 12. 2019</a:t>
+              <a:t>9. 12. 2019</a:t>
             </a:fld>
             <a:endParaRPr lang="cs-CZ"/>
           </a:p>
@@ -2885,7 +3443,7 @@
             <a:fld id="{2ABB2527-7C79-45A7-A85F-02EBEB396A2D}" type="datetimeFigureOut">
               <a:rPr lang="cs-CZ" smtClean="0"/>
               <a:pPr/>
-              <a:t>6. 12. 2019</a:t>
+              <a:t>9. 12. 2019</a:t>
             </a:fld>
             <a:endParaRPr lang="cs-CZ"/>
           </a:p>
@@ -3164,7 +3722,7 @@
             <a:fld id="{2ABB2527-7C79-45A7-A85F-02EBEB396A2D}" type="datetimeFigureOut">
               <a:rPr lang="cs-CZ" smtClean="0"/>
               <a:pPr/>
-              <a:t>6. 12. 2019</a:t>
+              <a:t>9. 12. 2019</a:t>
             </a:fld>
             <a:endParaRPr lang="cs-CZ"/>
           </a:p>
@@ -3336,7 +3894,7 @@
             <a:fld id="{FBDE739C-6976-4186-B869-F8715C88313A}" type="datetimeFigureOut">
               <a:rPr lang="cs-CZ" smtClean="0"/>
               <a:pPr/>
-              <a:t>6. 12. 2019</a:t>
+              <a:t>9. 12. 2019</a:t>
             </a:fld>
             <a:endParaRPr lang="cs-CZ"/>
           </a:p>
@@ -3591,7 +4149,7 @@
             <a:fld id="{2ABB2527-7C79-45A7-A85F-02EBEB396A2D}" type="datetimeFigureOut">
               <a:rPr lang="cs-CZ" smtClean="0"/>
               <a:pPr/>
-              <a:t>6. 12. 2019</a:t>
+              <a:t>9. 12. 2019</a:t>
             </a:fld>
             <a:endParaRPr lang="cs-CZ"/>
           </a:p>
@@ -3763,7 +4321,7 @@
             <a:fld id="{2ABB2527-7C79-45A7-A85F-02EBEB396A2D}" type="datetimeFigureOut">
               <a:rPr lang="cs-CZ" smtClean="0"/>
               <a:pPr/>
-              <a:t>6. 12. 2019</a:t>
+              <a:t>9. 12. 2019</a:t>
             </a:fld>
             <a:endParaRPr lang="cs-CZ"/>
           </a:p>
@@ -3945,7 +4503,7 @@
             <a:fld id="{2ABB2527-7C79-45A7-A85F-02EBEB396A2D}" type="datetimeFigureOut">
               <a:rPr lang="cs-CZ" smtClean="0"/>
               <a:pPr/>
-              <a:t>6. 12. 2019</a:t>
+              <a:t>9. 12. 2019</a:t>
             </a:fld>
             <a:endParaRPr lang="cs-CZ"/>
           </a:p>
@@ -4195,7 +4753,7 @@
             <a:fld id="{FBDE739C-6976-4186-B869-F8715C88313A}" type="datetimeFigureOut">
               <a:rPr lang="cs-CZ" smtClean="0"/>
               <a:pPr/>
-              <a:t>6. 12. 2019</a:t>
+              <a:t>9. 12. 2019</a:t>
             </a:fld>
             <a:endParaRPr lang="cs-CZ"/>
           </a:p>
@@ -4362,7 +4920,7 @@
             <a:fld id="{CAE6B357-51B9-47D2-A71D-0D06CB03185D}" type="datetime1">
               <a:rPr lang="en-US" smtClean="0"/>
               <a:pPr/>
-              <a:t>12/6/2019</a:t>
+              <a:t>12/9/2019</a:t>
             </a:fld>
             <a:endParaRPr lang="en-US"/>
           </a:p>
@@ -4603,7 +5161,7 @@
             <a:fld id="{FBDE739C-6976-4186-B869-F8715C88313A}" type="datetimeFigureOut">
               <a:rPr lang="cs-CZ" smtClean="0"/>
               <a:pPr/>
-              <a:t>6. 12. 2019</a:t>
+              <a:t>9. 12. 2019</a:t>
             </a:fld>
             <a:endParaRPr lang="cs-CZ"/>
           </a:p>
@@ -4695,7 +5253,7 @@
             <a:fld id="{FBDE739C-6976-4186-B869-F8715C88313A}" type="datetimeFigureOut">
               <a:rPr lang="cs-CZ" smtClean="0"/>
               <a:pPr/>
-              <a:t>6. 12. 2019</a:t>
+              <a:t>9. 12. 2019</a:t>
             </a:fld>
             <a:endParaRPr lang="cs-CZ"/>
           </a:p>
@@ -5071,7 +5629,7 @@
             <a:fld id="{FBDE739C-6976-4186-B869-F8715C88313A}" type="datetimeFigureOut">
               <a:rPr lang="cs-CZ" smtClean="0"/>
               <a:pPr/>
-              <a:t>6. 12. 2019</a:t>
+              <a:t>9. 12. 2019</a:t>
             </a:fld>
             <a:endParaRPr lang="cs-CZ"/>
           </a:p>
@@ -5328,7 +5886,7 @@
             <a:fld id="{FBDE739C-6976-4186-B869-F8715C88313A}" type="datetimeFigureOut">
               <a:rPr lang="cs-CZ" smtClean="0"/>
               <a:pPr/>
-              <a:t>6. 12. 2019</a:t>
+              <a:t>9. 12. 2019</a:t>
             </a:fld>
             <a:endParaRPr lang="cs-CZ"/>
           </a:p>
@@ -5420,7 +5978,7 @@
             <a:fld id="{FBDE739C-6976-4186-B869-F8715C88313A}" type="datetimeFigureOut">
               <a:rPr lang="cs-CZ" smtClean="0"/>
               <a:pPr/>
-              <a:t>6. 12. 2019</a:t>
+              <a:t>9. 12. 2019</a:t>
             </a:fld>
             <a:endParaRPr lang="cs-CZ"/>
           </a:p>
@@ -5663,7 +6221,7 @@
             <a:fld id="{FBDE739C-6976-4186-B869-F8715C88313A}" type="datetimeFigureOut">
               <a:rPr lang="cs-CZ" smtClean="0"/>
               <a:pPr/>
-              <a:t>6. 12. 2019</a:t>
+              <a:t>9. 12. 2019</a:t>
             </a:fld>
             <a:endParaRPr lang="cs-CZ"/>
           </a:p>
@@ -5944,7 +6502,7 @@
             <a:fld id="{FBDE739C-6976-4186-B869-F8715C88313A}" type="datetimeFigureOut">
               <a:rPr lang="cs-CZ" smtClean="0"/>
               <a:pPr/>
-              <a:t>6. 12. 2019</a:t>
+              <a:t>9. 12. 2019</a:t>
             </a:fld>
             <a:endParaRPr lang="cs-CZ"/>
           </a:p>
@@ -6218,7 +6776,7 @@
             <a:fld id="{FBDE739C-6976-4186-B869-F8715C88313A}" type="datetimeFigureOut">
               <a:rPr lang="cs-CZ" smtClean="0"/>
               <a:pPr/>
-              <a:t>6. 12. 2019</a:t>
+              <a:t>9. 12. 2019</a:t>
             </a:fld>
             <a:endParaRPr lang="cs-CZ"/>
           </a:p>
@@ -6385,7 +6943,7 @@
             <a:fld id="{FBDE739C-6976-4186-B869-F8715C88313A}" type="datetimeFigureOut">
               <a:rPr lang="cs-CZ" smtClean="0"/>
               <a:pPr/>
-              <a:t>6. 12. 2019</a:t>
+              <a:t>9. 12. 2019</a:t>
             </a:fld>
             <a:endParaRPr lang="cs-CZ"/>
           </a:p>
@@ -6562,7 +7120,7 @@
             <a:fld id="{FBDE739C-6976-4186-B869-F8715C88313A}" type="datetimeFigureOut">
               <a:rPr lang="cs-CZ" smtClean="0"/>
               <a:pPr/>
-              <a:t>6. 12. 2019</a:t>
+              <a:t>9. 12. 2019</a:t>
             </a:fld>
             <a:endParaRPr lang="cs-CZ"/>
           </a:p>
@@ -6847,7 +7405,7 @@
             <a:fld id="{FBDE739C-6976-4186-B869-F8715C88313A}" type="datetimeFigureOut">
               <a:rPr lang="cs-CZ" smtClean="0"/>
               <a:pPr/>
-              <a:t>6. 12. 2019</a:t>
+              <a:t>9. 12. 2019</a:t>
             </a:fld>
             <a:endParaRPr lang="cs-CZ"/>
           </a:p>
@@ -7271,7 +7829,7 @@
             <a:fld id="{FBDE739C-6976-4186-B869-F8715C88313A}" type="datetimeFigureOut">
               <a:rPr lang="cs-CZ" smtClean="0"/>
               <a:pPr/>
-              <a:t>6. 12. 2019</a:t>
+              <a:t>9. 12. 2019</a:t>
             </a:fld>
             <a:endParaRPr lang="cs-CZ"/>
           </a:p>
@@ -7391,7 +7949,7 @@
             <a:fld id="{FBDE739C-6976-4186-B869-F8715C88313A}" type="datetimeFigureOut">
               <a:rPr lang="cs-CZ" smtClean="0"/>
               <a:pPr/>
-              <a:t>6. 12. 2019</a:t>
+              <a:t>9. 12. 2019</a:t>
             </a:fld>
             <a:endParaRPr lang="cs-CZ"/>
           </a:p>
@@ -7488,7 +8046,7 @@
             <a:fld id="{FBDE739C-6976-4186-B869-F8715C88313A}" type="datetimeFigureOut">
               <a:rPr lang="cs-CZ" smtClean="0"/>
               <a:pPr/>
-              <a:t>6. 12. 2019</a:t>
+              <a:t>9. 12. 2019</a:t>
             </a:fld>
             <a:endParaRPr lang="cs-CZ"/>
           </a:p>
@@ -7767,7 +8325,7 @@
             <a:fld id="{FBDE739C-6976-4186-B869-F8715C88313A}" type="datetimeFigureOut">
               <a:rPr lang="cs-CZ" smtClean="0"/>
               <a:pPr/>
-              <a:t>6. 12. 2019</a:t>
+              <a:t>9. 12. 2019</a:t>
             </a:fld>
             <a:endParaRPr lang="cs-CZ"/>
           </a:p>
@@ -8022,7 +8580,7 @@
             <a:fld id="{FBDE739C-6976-4186-B869-F8715C88313A}" type="datetimeFigureOut">
               <a:rPr lang="cs-CZ" smtClean="0"/>
               <a:pPr/>
-              <a:t>6. 12. 2019</a:t>
+              <a:t>9. 12. 2019</a:t>
             </a:fld>
             <a:endParaRPr lang="cs-CZ"/>
           </a:p>
@@ -8237,7 +8795,7 @@
             <a:fld id="{FBDE739C-6976-4186-B869-F8715C88313A}" type="datetimeFigureOut">
               <a:rPr lang="cs-CZ" smtClean="0"/>
               <a:pPr/>
-              <a:t>6. 12. 2019</a:t>
+              <a:t>9. 12. 2019</a:t>
             </a:fld>
             <a:endParaRPr lang="cs-CZ"/>
           </a:p>
@@ -8756,7 +9314,7 @@
             <a:fld id="{2ABB2527-7C79-45A7-A85F-02EBEB396A2D}" type="datetimeFigureOut">
               <a:rPr lang="cs-CZ" smtClean="0"/>
               <a:pPr/>
-              <a:t>6. 12. 2019</a:t>
+              <a:t>9. 12. 2019</a:t>
             </a:fld>
             <a:endParaRPr lang="cs-CZ"/>
           </a:p>
@@ -9360,7 +9918,7 @@
             <a:fld id="{FBDE739C-6976-4186-B869-F8715C88313A}" type="datetimeFigureOut">
               <a:rPr lang="cs-CZ" smtClean="0"/>
               <a:pPr/>
-              <a:t>6. 12. 2019</a:t>
+              <a:t>9. 12. 2019</a:t>
             </a:fld>
             <a:endParaRPr lang="cs-CZ"/>
           </a:p>
@@ -10096,6 +10654,518 @@
 </p:sld>
 </file>
 
+<file path=ppt/slides/slide10.xml><?xml version="1.0" encoding="utf-8"?>
+<p:sld xmlns:a="http://schemas.openxmlformats.org/drawingml/2006/main" xmlns:r="http://schemas.openxmlformats.org/officeDocument/2006/relationships" xmlns:p="http://schemas.openxmlformats.org/presentationml/2006/main">
+  <p:cSld>
+    <p:spTree>
+      <p:nvGrpSpPr>
+        <p:cNvPr id="1" name=""/>
+        <p:cNvGrpSpPr/>
+        <p:nvPr/>
+      </p:nvGrpSpPr>
+      <p:grpSpPr>
+        <a:xfrm>
+          <a:off x="0" y="0"/>
+          <a:ext cx="0" cy="0"/>
+          <a:chOff x="0" y="0"/>
+          <a:chExt cx="0" cy="0"/>
+        </a:xfrm>
+      </p:grpSpPr>
+      <p:sp>
+        <p:nvSpPr>
+          <p:cNvPr id="2" name="Title 1"/>
+          <p:cNvSpPr>
+            <a:spLocks noGrp="1"/>
+          </p:cNvSpPr>
+          <p:nvPr>
+            <p:ph type="title"/>
+          </p:nvPr>
+        </p:nvSpPr>
+        <p:spPr>
+          <a:xfrm>
+            <a:off x="2707196" y="404664"/>
+            <a:ext cx="3729608" cy="588141"/>
+          </a:xfrm>
+        </p:spPr>
+        <p:txBody>
+          <a:bodyPr>
+            <a:normAutofit/>
+          </a:bodyPr>
+          <a:lstStyle/>
+          <a:p>
+            <a:pPr algn="ctr"/>
+            <a:r>
+              <a:rPr lang="en-US" sz="3200" dirty="0" smtClean="0"/>
+              <a:t>Priorities</a:t>
+            </a:r>
+            <a:endParaRPr lang="cs-CZ" sz="3200" dirty="0"/>
+          </a:p>
+        </p:txBody>
+      </p:sp>
+      <p:sp>
+        <p:nvSpPr>
+          <p:cNvPr id="3" name="Content Placeholder 2"/>
+          <p:cNvSpPr>
+            <a:spLocks noGrp="1"/>
+          </p:cNvSpPr>
+          <p:nvPr>
+            <p:ph idx="1"/>
+          </p:nvPr>
+        </p:nvSpPr>
+        <p:spPr>
+          <a:xfrm>
+            <a:off x="914400" y="1484785"/>
+            <a:ext cx="7315200" cy="4824576"/>
+          </a:xfrm>
+        </p:spPr>
+        <p:txBody>
+          <a:bodyPr/>
+          <a:lstStyle/>
+          <a:p>
+            <a:r>
+              <a:rPr lang="en-US" dirty="0" smtClean="0"/>
+              <a:t>“Boosted” Profile-based &amp; Combined</a:t>
+            </a:r>
+          </a:p>
+          <a:p>
+            <a:endParaRPr lang="en-US" dirty="0" smtClean="0"/>
+          </a:p>
+          <a:p>
+            <a:endParaRPr lang="en-US" dirty="0"/>
+          </a:p>
+          <a:p>
+            <a:r>
+              <a:rPr lang="en-US" dirty="0" smtClean="0"/>
+              <a:t>More weight given to: Base Spirit, Cocktail Type, Flavor..</a:t>
+            </a:r>
+          </a:p>
+          <a:p>
+            <a:endParaRPr lang="en-US" dirty="0" smtClean="0"/>
+          </a:p>
+          <a:p>
+            <a:endParaRPr lang="en-US" dirty="0"/>
+          </a:p>
+          <a:p>
+            <a:r>
+              <a:rPr lang="en-US" dirty="0" smtClean="0"/>
+              <a:t>Should deal with recommending drinks based on less important categories</a:t>
+            </a:r>
+            <a:endParaRPr lang="en-US" dirty="0" smtClean="0"/>
+          </a:p>
+          <a:p>
+            <a:endParaRPr lang="cs-CZ" dirty="0"/>
+          </a:p>
+        </p:txBody>
+      </p:sp>
+    </p:spTree>
+    <p:extLst>
+      <p:ext uri="{BB962C8B-B14F-4D97-AF65-F5344CB8AC3E}">
+        <p14:creationId xmlns:p14="http://schemas.microsoft.com/office/powerpoint/2010/main" val="1525550578"/>
+      </p:ext>
+    </p:extLst>
+  </p:cSld>
+  <p:clrMapOvr>
+    <a:masterClrMapping/>
+  </p:clrMapOvr>
+</p:sld>
+</file>
+
+<file path=ppt/slides/slide11.xml><?xml version="1.0" encoding="utf-8"?>
+<p:sld xmlns:a="http://schemas.openxmlformats.org/drawingml/2006/main" xmlns:r="http://schemas.openxmlformats.org/officeDocument/2006/relationships" xmlns:p="http://schemas.openxmlformats.org/presentationml/2006/main">
+  <p:cSld>
+    <p:spTree>
+      <p:nvGrpSpPr>
+        <p:cNvPr id="1" name=""/>
+        <p:cNvGrpSpPr/>
+        <p:nvPr/>
+      </p:nvGrpSpPr>
+      <p:grpSpPr>
+        <a:xfrm>
+          <a:off x="0" y="0"/>
+          <a:ext cx="0" cy="0"/>
+          <a:chOff x="0" y="0"/>
+          <a:chExt cx="0" cy="0"/>
+        </a:xfrm>
+      </p:grpSpPr>
+      <p:sp>
+        <p:nvSpPr>
+          <p:cNvPr id="2" name="Title 1"/>
+          <p:cNvSpPr>
+            <a:spLocks noGrp="1"/>
+          </p:cNvSpPr>
+          <p:nvPr>
+            <p:ph type="title"/>
+          </p:nvPr>
+        </p:nvSpPr>
+        <p:spPr>
+          <a:xfrm>
+            <a:off x="2707196" y="392587"/>
+            <a:ext cx="3729608" cy="588141"/>
+          </a:xfrm>
+        </p:spPr>
+        <p:txBody>
+          <a:bodyPr>
+            <a:normAutofit/>
+          </a:bodyPr>
+          <a:lstStyle/>
+          <a:p>
+            <a:pPr algn="ctr"/>
+            <a:r>
+              <a:rPr lang="en-US" sz="3200" dirty="0" smtClean="0"/>
+              <a:t>Evaluation</a:t>
+            </a:r>
+            <a:endParaRPr lang="cs-CZ" sz="3200" dirty="0"/>
+          </a:p>
+        </p:txBody>
+      </p:sp>
+      <p:sp>
+        <p:nvSpPr>
+          <p:cNvPr id="3" name="Content Placeholder 2"/>
+          <p:cNvSpPr>
+            <a:spLocks noGrp="1"/>
+          </p:cNvSpPr>
+          <p:nvPr>
+            <p:ph idx="1"/>
+          </p:nvPr>
+        </p:nvSpPr>
+        <p:spPr>
+          <a:xfrm>
+            <a:off x="914400" y="1484785"/>
+            <a:ext cx="7315200" cy="4824576"/>
+          </a:xfrm>
+        </p:spPr>
+        <p:txBody>
+          <a:bodyPr/>
+          <a:lstStyle/>
+          <a:p>
+            <a:r>
+              <a:rPr lang="en-US" dirty="0" smtClean="0"/>
+              <a:t>Evaluator screenshot</a:t>
+            </a:r>
+            <a:endParaRPr lang="en-US" dirty="0"/>
+          </a:p>
+          <a:p>
+            <a:r>
+              <a:rPr lang="en-US" dirty="0" smtClean="0"/>
+              <a:t>Short Description</a:t>
+            </a:r>
+          </a:p>
+        </p:txBody>
+      </p:sp>
+    </p:spTree>
+    <p:extLst>
+      <p:ext uri="{BB962C8B-B14F-4D97-AF65-F5344CB8AC3E}">
+        <p14:creationId xmlns:p14="http://schemas.microsoft.com/office/powerpoint/2010/main" val="2540509038"/>
+      </p:ext>
+    </p:extLst>
+  </p:cSld>
+  <p:clrMapOvr>
+    <a:masterClrMapping/>
+  </p:clrMapOvr>
+</p:sld>
+</file>
+
+<file path=ppt/slides/slide12.xml><?xml version="1.0" encoding="utf-8"?>
+<p:sld xmlns:a="http://schemas.openxmlformats.org/drawingml/2006/main" xmlns:r="http://schemas.openxmlformats.org/officeDocument/2006/relationships" xmlns:p="http://schemas.openxmlformats.org/presentationml/2006/main">
+  <p:cSld>
+    <p:spTree>
+      <p:nvGrpSpPr>
+        <p:cNvPr id="1" name=""/>
+        <p:cNvGrpSpPr/>
+        <p:nvPr/>
+      </p:nvGrpSpPr>
+      <p:grpSpPr>
+        <a:xfrm>
+          <a:off x="0" y="0"/>
+          <a:ext cx="0" cy="0"/>
+          <a:chOff x="0" y="0"/>
+          <a:chExt cx="0" cy="0"/>
+        </a:xfrm>
+      </p:grpSpPr>
+      <p:sp>
+        <p:nvSpPr>
+          <p:cNvPr id="2" name="Title 1"/>
+          <p:cNvSpPr>
+            <a:spLocks noGrp="1"/>
+          </p:cNvSpPr>
+          <p:nvPr>
+            <p:ph type="title"/>
+          </p:nvPr>
+        </p:nvSpPr>
+        <p:spPr>
+          <a:xfrm>
+            <a:off x="2707196" y="392587"/>
+            <a:ext cx="3729608" cy="588141"/>
+          </a:xfrm>
+        </p:spPr>
+        <p:txBody>
+          <a:bodyPr>
+            <a:normAutofit/>
+          </a:bodyPr>
+          <a:lstStyle/>
+          <a:p>
+            <a:pPr algn="ctr"/>
+            <a:r>
+              <a:rPr lang="en-US" sz="3200" dirty="0" smtClean="0"/>
+              <a:t>Evaluation</a:t>
+            </a:r>
+            <a:endParaRPr lang="cs-CZ" sz="3200" dirty="0"/>
+          </a:p>
+        </p:txBody>
+      </p:sp>
+      <p:sp>
+        <p:nvSpPr>
+          <p:cNvPr id="3" name="Content Placeholder 2"/>
+          <p:cNvSpPr>
+            <a:spLocks noGrp="1"/>
+          </p:cNvSpPr>
+          <p:nvPr>
+            <p:ph idx="1"/>
+          </p:nvPr>
+        </p:nvSpPr>
+        <p:spPr>
+          <a:xfrm>
+            <a:off x="914400" y="1484785"/>
+            <a:ext cx="7315200" cy="4824576"/>
+          </a:xfrm>
+        </p:spPr>
+        <p:txBody>
+          <a:bodyPr/>
+          <a:lstStyle/>
+          <a:p>
+            <a:r>
+              <a:rPr lang="en-US" dirty="0" smtClean="0"/>
+              <a:t>Graph of the evaluation results + commentary about it</a:t>
+            </a:r>
+            <a:endParaRPr lang="cs-CZ" dirty="0"/>
+          </a:p>
+        </p:txBody>
+      </p:sp>
+    </p:spTree>
+    <p:extLst>
+      <p:ext uri="{BB962C8B-B14F-4D97-AF65-F5344CB8AC3E}">
+        <p14:creationId xmlns:p14="http://schemas.microsoft.com/office/powerpoint/2010/main" val="1963302582"/>
+      </p:ext>
+    </p:extLst>
+  </p:cSld>
+  <p:clrMapOvr>
+    <a:masterClrMapping/>
+  </p:clrMapOvr>
+</p:sld>
+</file>
+
+<file path=ppt/slides/slide13.xml><?xml version="1.0" encoding="utf-8"?>
+<p:sld xmlns:a="http://schemas.openxmlformats.org/drawingml/2006/main" xmlns:r="http://schemas.openxmlformats.org/officeDocument/2006/relationships" xmlns:p="http://schemas.openxmlformats.org/presentationml/2006/main">
+  <p:cSld>
+    <p:spTree>
+      <p:nvGrpSpPr>
+        <p:cNvPr id="1" name=""/>
+        <p:cNvGrpSpPr/>
+        <p:nvPr/>
+      </p:nvGrpSpPr>
+      <p:grpSpPr>
+        <a:xfrm>
+          <a:off x="0" y="0"/>
+          <a:ext cx="0" cy="0"/>
+          <a:chOff x="0" y="0"/>
+          <a:chExt cx="0" cy="0"/>
+        </a:xfrm>
+      </p:grpSpPr>
+      <p:sp>
+        <p:nvSpPr>
+          <p:cNvPr id="2" name="Title 1"/>
+          <p:cNvSpPr>
+            <a:spLocks noGrp="1"/>
+          </p:cNvSpPr>
+          <p:nvPr>
+            <p:ph type="title"/>
+          </p:nvPr>
+        </p:nvSpPr>
+        <p:spPr>
+          <a:xfrm>
+            <a:off x="2707196" y="392587"/>
+            <a:ext cx="3729608" cy="588141"/>
+          </a:xfrm>
+        </p:spPr>
+        <p:txBody>
+          <a:bodyPr>
+            <a:normAutofit/>
+          </a:bodyPr>
+          <a:lstStyle/>
+          <a:p>
+            <a:pPr algn="ctr"/>
+            <a:r>
+              <a:rPr lang="en-US" sz="3200" dirty="0" smtClean="0"/>
+              <a:t>Evaluation</a:t>
+            </a:r>
+            <a:endParaRPr lang="cs-CZ" sz="3200" dirty="0"/>
+          </a:p>
+        </p:txBody>
+      </p:sp>
+      <p:sp>
+        <p:nvSpPr>
+          <p:cNvPr id="3" name="Content Placeholder 2"/>
+          <p:cNvSpPr>
+            <a:spLocks noGrp="1"/>
+          </p:cNvSpPr>
+          <p:nvPr>
+            <p:ph idx="1"/>
+          </p:nvPr>
+        </p:nvSpPr>
+        <p:spPr>
+          <a:xfrm>
+            <a:off x="914400" y="1484785"/>
+            <a:ext cx="7315200" cy="4824576"/>
+          </a:xfrm>
+        </p:spPr>
+        <p:txBody>
+          <a:bodyPr/>
+          <a:lstStyle/>
+          <a:p>
+            <a:r>
+              <a:rPr lang="en-US" dirty="0" smtClean="0"/>
+              <a:t>Graphs about how different are the sets produce by selecte</a:t>
+            </a:r>
+            <a:r>
+              <a:rPr lang="en-US" dirty="0" smtClean="0"/>
+              <a:t>d methods ?</a:t>
+            </a:r>
+          </a:p>
+          <a:p>
+            <a:r>
+              <a:rPr lang="en-US" dirty="0" smtClean="0"/>
+              <a:t>Profile vs Description</a:t>
+            </a:r>
+          </a:p>
+          <a:p>
+            <a:r>
+              <a:rPr lang="en-US" dirty="0" smtClean="0"/>
+              <a:t>Boosted </a:t>
+            </a:r>
+            <a:r>
+              <a:rPr lang="en-US" dirty="0"/>
+              <a:t>P</a:t>
+            </a:r>
+            <a:r>
+              <a:rPr lang="en-US" dirty="0" smtClean="0"/>
+              <a:t>rofile vs Profile</a:t>
+            </a:r>
+          </a:p>
+          <a:p>
+            <a:r>
+              <a:rPr lang="en-US" dirty="0" smtClean="0"/>
+              <a:t>Profile vs Combined</a:t>
+            </a:r>
+            <a:endParaRPr lang="cs-CZ" dirty="0"/>
+          </a:p>
+        </p:txBody>
+      </p:sp>
+    </p:spTree>
+    <p:extLst>
+      <p:ext uri="{BB962C8B-B14F-4D97-AF65-F5344CB8AC3E}">
+        <p14:creationId xmlns:p14="http://schemas.microsoft.com/office/powerpoint/2010/main" val="1067537820"/>
+      </p:ext>
+    </p:extLst>
+  </p:cSld>
+  <p:clrMapOvr>
+    <a:masterClrMapping/>
+  </p:clrMapOvr>
+</p:sld>
+</file>
+
+<file path=ppt/slides/slide14.xml><?xml version="1.0" encoding="utf-8"?>
+<p:sld xmlns:a="http://schemas.openxmlformats.org/drawingml/2006/main" xmlns:r="http://schemas.openxmlformats.org/officeDocument/2006/relationships" xmlns:p="http://schemas.openxmlformats.org/presentationml/2006/main">
+  <p:cSld>
+    <p:spTree>
+      <p:nvGrpSpPr>
+        <p:cNvPr id="1" name=""/>
+        <p:cNvGrpSpPr/>
+        <p:nvPr/>
+      </p:nvGrpSpPr>
+      <p:grpSpPr>
+        <a:xfrm>
+          <a:off x="0" y="0"/>
+          <a:ext cx="0" cy="0"/>
+          <a:chOff x="0" y="0"/>
+          <a:chExt cx="0" cy="0"/>
+        </a:xfrm>
+      </p:grpSpPr>
+      <p:sp>
+        <p:nvSpPr>
+          <p:cNvPr id="2" name="Title 1"/>
+          <p:cNvSpPr>
+            <a:spLocks noGrp="1"/>
+          </p:cNvSpPr>
+          <p:nvPr>
+            <p:ph type="title"/>
+          </p:nvPr>
+        </p:nvSpPr>
+        <p:spPr>
+          <a:xfrm>
+            <a:off x="2707196" y="392587"/>
+            <a:ext cx="3729608" cy="588141"/>
+          </a:xfrm>
+        </p:spPr>
+        <p:txBody>
+          <a:bodyPr>
+            <a:normAutofit/>
+          </a:bodyPr>
+          <a:lstStyle/>
+          <a:p>
+            <a:pPr algn="ctr"/>
+            <a:r>
+              <a:rPr lang="en-US" sz="3200" dirty="0" smtClean="0"/>
+              <a:t>The Thing</a:t>
+            </a:r>
+            <a:endParaRPr lang="cs-CZ" sz="3200" dirty="0"/>
+          </a:p>
+        </p:txBody>
+      </p:sp>
+      <p:sp>
+        <p:nvSpPr>
+          <p:cNvPr id="3" name="Content Placeholder 2"/>
+          <p:cNvSpPr>
+            <a:spLocks noGrp="1"/>
+          </p:cNvSpPr>
+          <p:nvPr>
+            <p:ph idx="1"/>
+          </p:nvPr>
+        </p:nvSpPr>
+        <p:spPr>
+          <a:xfrm>
+            <a:off x="914400" y="1484785"/>
+            <a:ext cx="7315200" cy="4824576"/>
+          </a:xfrm>
+        </p:spPr>
+        <p:txBody>
+          <a:bodyPr/>
+          <a:lstStyle/>
+          <a:p>
+            <a:r>
+              <a:rPr lang="en-US" dirty="0" smtClean="0"/>
+              <a:t>Screenshot + description of th</a:t>
+            </a:r>
+            <a:r>
+              <a:rPr lang="en-US" dirty="0" smtClean="0"/>
+              <a:t>e final app</a:t>
+            </a:r>
+            <a:endParaRPr lang="cs-CZ" dirty="0"/>
+          </a:p>
+        </p:txBody>
+      </p:sp>
+    </p:spTree>
+    <p:extLst>
+      <p:ext uri="{BB962C8B-B14F-4D97-AF65-F5344CB8AC3E}">
+        <p14:creationId xmlns:p14="http://schemas.microsoft.com/office/powerpoint/2010/main" val="1270741229"/>
+      </p:ext>
+    </p:extLst>
+  </p:cSld>
+  <p:clrMapOvr>
+    <a:masterClrMapping/>
+  </p:clrMapOvr>
+</p:sld>
+</file>
+
 <file path=ppt/slides/slide2.xml><?xml version="1.0" encoding="utf-8"?>
 <p:sld xmlns:a="http://schemas.openxmlformats.org/drawingml/2006/main" xmlns:r="http://schemas.openxmlformats.org/officeDocument/2006/relationships" xmlns:p="http://schemas.openxmlformats.org/presentationml/2006/main">
   <p:cSld>
@@ -10455,7 +11525,7 @@
           <p:nvPr/>
         </p:nvPicPr>
         <p:blipFill>
-          <a:blip r:embed="rId2">
+          <a:blip r:embed="rId3">
             <a:extLst>
               <a:ext uri="{28A0092B-C50C-407E-A947-70E740481C1C}">
                 <a14:useLocalDpi xmlns:a14="http://schemas.microsoft.com/office/drawing/2010/main" val="0"/>
@@ -10519,7 +11589,7 @@
           <p:nvPr/>
         </p:nvPicPr>
         <p:blipFill>
-          <a:blip r:embed="rId3">
+          <a:blip r:embed="rId4">
             <a:extLst>
               <a:ext uri="{28A0092B-C50C-407E-A947-70E740481C1C}">
                 <a14:useLocalDpi xmlns:a14="http://schemas.microsoft.com/office/drawing/2010/main" val="0"/>
@@ -10582,7 +11652,7 @@
         </p:nvSpPr>
         <p:spPr>
           <a:xfrm>
-            <a:off x="3563888" y="332656"/>
+            <a:off x="3563888" y="404664"/>
             <a:ext cx="2160240" cy="576064"/>
           </a:xfrm>
         </p:spPr>
@@ -10592,6 +11662,7 @@
           </a:bodyPr>
           <a:lstStyle/>
           <a:p>
+            <a:pPr algn="ctr"/>
             <a:r>
               <a:rPr lang="en-US" sz="3200" dirty="0" smtClean="0"/>
               <a:t>Scrapping</a:t>
@@ -10666,7 +11737,7 @@
         </p:nvSpPr>
         <p:spPr>
           <a:xfrm>
-            <a:off x="3059832" y="260648"/>
+            <a:off x="2707196" y="404664"/>
             <a:ext cx="3729608" cy="588141"/>
           </a:xfrm>
         </p:spPr>
@@ -10676,6 +11747,7 @@
           </a:bodyPr>
           <a:lstStyle/>
           <a:p>
+            <a:pPr algn="ctr"/>
             <a:r>
               <a:rPr lang="en-US" sz="3200" dirty="0" smtClean="0"/>
               <a:t>Recommending</a:t>
@@ -10704,6 +11776,34 @@
           <a:bodyPr/>
           <a:lstStyle/>
           <a:p>
+            <a:r>
+              <a:rPr lang="en-US" dirty="0" smtClean="0"/>
+              <a:t>Content-Based (TF-IDF)</a:t>
+            </a:r>
+          </a:p>
+          <a:p>
+            <a:endParaRPr lang="en-US" dirty="0" smtClean="0"/>
+          </a:p>
+          <a:p>
+            <a:r>
+              <a:rPr lang="en-US" dirty="0" smtClean="0"/>
+              <a:t>User profile – drinks</a:t>
+            </a:r>
+          </a:p>
+          <a:p>
+            <a:endParaRPr lang="en-US" dirty="0" smtClean="0"/>
+          </a:p>
+          <a:p>
+            <a:r>
+              <a:rPr lang="en-US" dirty="0" smtClean="0"/>
+              <a:t>Top 30 for each drink =&gt; a big list</a:t>
+            </a:r>
+          </a:p>
+          <a:p>
+            <a:r>
+              <a:rPr lang="en-US" dirty="0" smtClean="0"/>
+              <a:t>A big list =&gt; randomly sampled into final list</a:t>
+            </a:r>
             <a:endParaRPr lang="cs-CZ" dirty="0"/>
           </a:p>
         </p:txBody>
@@ -10712,6 +11812,634 @@
     <p:extLst>
       <p:ext uri="{BB962C8B-B14F-4D97-AF65-F5344CB8AC3E}">
         <p14:creationId xmlns:p14="http://schemas.microsoft.com/office/powerpoint/2010/main" val="2298414453"/>
+      </p:ext>
+    </p:extLst>
+  </p:cSld>
+  <p:clrMapOvr>
+    <a:masterClrMapping/>
+  </p:clrMapOvr>
+</p:sld>
+</file>
+
+<file path=ppt/slides/slide7.xml><?xml version="1.0" encoding="utf-8"?>
+<p:sld xmlns:a="http://schemas.openxmlformats.org/drawingml/2006/main" xmlns:r="http://schemas.openxmlformats.org/officeDocument/2006/relationships" xmlns:p="http://schemas.openxmlformats.org/presentationml/2006/main">
+  <p:cSld>
+    <p:spTree>
+      <p:nvGrpSpPr>
+        <p:cNvPr id="1" name=""/>
+        <p:cNvGrpSpPr/>
+        <p:nvPr/>
+      </p:nvGrpSpPr>
+      <p:grpSpPr>
+        <a:xfrm>
+          <a:off x="0" y="0"/>
+          <a:ext cx="0" cy="0"/>
+          <a:chOff x="0" y="0"/>
+          <a:chExt cx="0" cy="0"/>
+        </a:xfrm>
+      </p:grpSpPr>
+      <p:sp>
+        <p:nvSpPr>
+          <p:cNvPr id="2" name="Title 1"/>
+          <p:cNvSpPr>
+            <a:spLocks noGrp="1"/>
+          </p:cNvSpPr>
+          <p:nvPr>
+            <p:ph type="title"/>
+          </p:nvPr>
+        </p:nvSpPr>
+        <p:spPr>
+          <a:xfrm>
+            <a:off x="2707196" y="404664"/>
+            <a:ext cx="3729608" cy="588141"/>
+          </a:xfrm>
+        </p:spPr>
+        <p:txBody>
+          <a:bodyPr>
+            <a:normAutofit/>
+          </a:bodyPr>
+          <a:lstStyle/>
+          <a:p>
+            <a:pPr algn="ctr"/>
+            <a:r>
+              <a:rPr lang="en-US" sz="3200" dirty="0" smtClean="0"/>
+              <a:t>Profile-based</a:t>
+            </a:r>
+            <a:endParaRPr lang="cs-CZ" sz="3200" dirty="0"/>
+          </a:p>
+        </p:txBody>
+      </p:sp>
+      <p:sp>
+        <p:nvSpPr>
+          <p:cNvPr id="3" name="Content Placeholder 2"/>
+          <p:cNvSpPr>
+            <a:spLocks noGrp="1"/>
+          </p:cNvSpPr>
+          <p:nvPr>
+            <p:ph idx="1"/>
+          </p:nvPr>
+        </p:nvSpPr>
+        <p:spPr>
+          <a:xfrm>
+            <a:off x="914400" y="1484785"/>
+            <a:ext cx="7315200" cy="4824576"/>
+          </a:xfrm>
+        </p:spPr>
+        <p:txBody>
+          <a:bodyPr/>
+          <a:lstStyle/>
+          <a:p>
+            <a:r>
+              <a:rPr lang="en-US" dirty="0" smtClean="0"/>
+              <a:t>Recommends ‘twists’</a:t>
+            </a:r>
+          </a:p>
+          <a:p>
+            <a:r>
+              <a:rPr lang="en-US" dirty="0" smtClean="0"/>
+              <a:t>Understands innate similarity</a:t>
+            </a:r>
+          </a:p>
+          <a:p>
+            <a:endParaRPr lang="en-US" dirty="0"/>
+          </a:p>
+          <a:p>
+            <a:endParaRPr lang="en-US" dirty="0" smtClean="0"/>
+          </a:p>
+          <a:p>
+            <a:endParaRPr lang="en-US" dirty="0"/>
+          </a:p>
+          <a:p>
+            <a:r>
+              <a:rPr lang="en-US" dirty="0" smtClean="0"/>
+              <a:t>Maybe a bit too similar</a:t>
+            </a:r>
+            <a:endParaRPr lang="cs-CZ" dirty="0"/>
+          </a:p>
+        </p:txBody>
+      </p:sp>
+      <p:pic>
+        <p:nvPicPr>
+          <p:cNvPr id="4" name="Picture 2"/>
+          <p:cNvPicPr>
+            <a:picLocks noChangeAspect="1" noChangeArrowheads="1"/>
+          </p:cNvPicPr>
+          <p:nvPr/>
+        </p:nvPicPr>
+        <p:blipFill>
+          <a:blip r:embed="rId3">
+            <a:extLst>
+              <a:ext uri="{28A0092B-C50C-407E-A947-70E740481C1C}">
+                <a14:useLocalDpi xmlns:a14="http://schemas.microsoft.com/office/drawing/2010/main" val="0"/>
+              </a:ext>
+            </a:extLst>
+          </a:blip>
+          <a:srcRect/>
+          <a:stretch>
+            <a:fillRect/>
+          </a:stretch>
+        </p:blipFill>
+        <p:spPr bwMode="auto">
+          <a:xfrm>
+            <a:off x="4860032" y="1052736"/>
+            <a:ext cx="3717079" cy="5630281"/>
+          </a:xfrm>
+          <a:prstGeom prst="rect">
+            <a:avLst/>
+          </a:prstGeom>
+          <a:noFill/>
+          <a:ln>
+            <a:noFill/>
+          </a:ln>
+          <a:effectLst/>
+          <a:extLst>
+            <a:ext uri="{909E8E84-426E-40DD-AFC4-6F175D3DCCD1}">
+              <a14:hiddenFill xmlns:a14="http://schemas.microsoft.com/office/drawing/2010/main">
+                <a:solidFill>
+                  <a:schemeClr val="accent1"/>
+                </a:solidFill>
+              </a14:hiddenFill>
+            </a:ext>
+            <a:ext uri="{91240B29-F687-4F45-9708-019B960494DF}">
+              <a14:hiddenLine xmlns:a14="http://schemas.microsoft.com/office/drawing/2010/main" w="9525">
+                <a:solidFill>
+                  <a:schemeClr val="tx1"/>
+                </a:solidFill>
+                <a:miter lim="800000"/>
+                <a:headEnd/>
+                <a:tailEnd/>
+              </a14:hiddenLine>
+            </a:ext>
+            <a:ext uri="{AF507438-7753-43E0-B8FC-AC1667EBCBE1}">
+              <a14:hiddenEffects xmlns:a14="http://schemas.microsoft.com/office/drawing/2010/main">
+                <a:effectLst>
+                  <a:outerShdw dist="35921" dir="2700000" algn="ctr" rotWithShape="0">
+                    <a:schemeClr val="bg2"/>
+                  </a:outerShdw>
+                </a:effectLst>
+              </a14:hiddenEffects>
+            </a:ext>
+          </a:extLst>
+        </p:spPr>
+      </p:pic>
+      <p:sp>
+        <p:nvSpPr>
+          <p:cNvPr id="5" name="Rectangle 4"/>
+          <p:cNvSpPr/>
+          <p:nvPr/>
+        </p:nvSpPr>
+        <p:spPr>
+          <a:xfrm>
+            <a:off x="4932040" y="2420888"/>
+            <a:ext cx="1728192" cy="3096344"/>
+          </a:xfrm>
+          <a:prstGeom prst="rect">
+            <a:avLst/>
+          </a:prstGeom>
+          <a:noFill/>
+        </p:spPr>
+        <p:style>
+          <a:lnRef idx="2">
+            <a:schemeClr val="accent2"/>
+          </a:lnRef>
+          <a:fillRef idx="1">
+            <a:schemeClr val="lt1"/>
+          </a:fillRef>
+          <a:effectRef idx="0">
+            <a:schemeClr val="accent2"/>
+          </a:effectRef>
+          <a:fontRef idx="minor">
+            <a:schemeClr val="dk1"/>
+          </a:fontRef>
+        </p:style>
+        <p:txBody>
+          <a:bodyPr rtlCol="0" anchor="ctr"/>
+          <a:lstStyle/>
+          <a:p>
+            <a:pPr algn="ctr"/>
+            <a:endParaRPr lang="en-US"/>
+          </a:p>
+        </p:txBody>
+      </p:sp>
+      <p:sp>
+        <p:nvSpPr>
+          <p:cNvPr id="6" name="Rectangle 5"/>
+          <p:cNvSpPr/>
+          <p:nvPr/>
+        </p:nvSpPr>
+        <p:spPr>
+          <a:xfrm>
+            <a:off x="4932040" y="5517232"/>
+            <a:ext cx="3528392" cy="1165785"/>
+          </a:xfrm>
+          <a:prstGeom prst="rect">
+            <a:avLst/>
+          </a:prstGeom>
+          <a:noFill/>
+        </p:spPr>
+        <p:style>
+          <a:lnRef idx="2">
+            <a:schemeClr val="accent2"/>
+          </a:lnRef>
+          <a:fillRef idx="1">
+            <a:schemeClr val="lt1"/>
+          </a:fillRef>
+          <a:effectRef idx="0">
+            <a:schemeClr val="accent2"/>
+          </a:effectRef>
+          <a:fontRef idx="minor">
+            <a:schemeClr val="dk1"/>
+          </a:fontRef>
+        </p:style>
+        <p:txBody>
+          <a:bodyPr rtlCol="0" anchor="ctr"/>
+          <a:lstStyle/>
+          <a:p>
+            <a:pPr algn="ctr"/>
+            <a:endParaRPr lang="en-US"/>
+          </a:p>
+        </p:txBody>
+      </p:sp>
+    </p:spTree>
+    <p:extLst>
+      <p:ext uri="{BB962C8B-B14F-4D97-AF65-F5344CB8AC3E}">
+        <p14:creationId xmlns:p14="http://schemas.microsoft.com/office/powerpoint/2010/main" val="2727044164"/>
+      </p:ext>
+    </p:extLst>
+  </p:cSld>
+  <p:clrMapOvr>
+    <a:masterClrMapping/>
+  </p:clrMapOvr>
+</p:sld>
+</file>
+
+<file path=ppt/slides/slide8.xml><?xml version="1.0" encoding="utf-8"?>
+<p:sld xmlns:a="http://schemas.openxmlformats.org/drawingml/2006/main" xmlns:r="http://schemas.openxmlformats.org/officeDocument/2006/relationships" xmlns:p="http://schemas.openxmlformats.org/presentationml/2006/main">
+  <p:cSld>
+    <p:spTree>
+      <p:nvGrpSpPr>
+        <p:cNvPr id="1" name=""/>
+        <p:cNvGrpSpPr/>
+        <p:nvPr/>
+      </p:nvGrpSpPr>
+      <p:grpSpPr>
+        <a:xfrm>
+          <a:off x="0" y="0"/>
+          <a:ext cx="0" cy="0"/>
+          <a:chOff x="0" y="0"/>
+          <a:chExt cx="0" cy="0"/>
+        </a:xfrm>
+      </p:grpSpPr>
+      <p:sp>
+        <p:nvSpPr>
+          <p:cNvPr id="2" name="Title 1"/>
+          <p:cNvSpPr>
+            <a:spLocks noGrp="1"/>
+          </p:cNvSpPr>
+          <p:nvPr>
+            <p:ph type="title"/>
+          </p:nvPr>
+        </p:nvSpPr>
+        <p:spPr>
+          <a:xfrm>
+            <a:off x="2707196" y="404664"/>
+            <a:ext cx="3729608" cy="588141"/>
+          </a:xfrm>
+        </p:spPr>
+        <p:txBody>
+          <a:bodyPr>
+            <a:normAutofit/>
+          </a:bodyPr>
+          <a:lstStyle/>
+          <a:p>
+            <a:pPr algn="ctr"/>
+            <a:r>
+              <a:rPr lang="en-US" sz="3200" dirty="0" smtClean="0"/>
+              <a:t>Description-based</a:t>
+            </a:r>
+            <a:endParaRPr lang="cs-CZ" sz="3200" dirty="0"/>
+          </a:p>
+        </p:txBody>
+      </p:sp>
+      <p:sp>
+        <p:nvSpPr>
+          <p:cNvPr id="3" name="Content Placeholder 2"/>
+          <p:cNvSpPr>
+            <a:spLocks noGrp="1"/>
+          </p:cNvSpPr>
+          <p:nvPr>
+            <p:ph idx="1"/>
+          </p:nvPr>
+        </p:nvSpPr>
+        <p:spPr>
+          <a:xfrm>
+            <a:off x="914400" y="1484785"/>
+            <a:ext cx="7315200" cy="4824576"/>
+          </a:xfrm>
+        </p:spPr>
+        <p:txBody>
+          <a:bodyPr/>
+          <a:lstStyle/>
+          <a:p>
+            <a:r>
+              <a:rPr lang="en-US" dirty="0" smtClean="0"/>
+              <a:t>Can </a:t>
+            </a:r>
+            <a:r>
+              <a:rPr lang="en-US" dirty="0" smtClean="0"/>
+              <a:t>pick unusual similarities</a:t>
+            </a:r>
+          </a:p>
+          <a:p>
+            <a:r>
+              <a:rPr lang="en-US" dirty="0" smtClean="0"/>
+              <a:t>Some innate similarity</a:t>
+            </a:r>
+          </a:p>
+          <a:p>
+            <a:pPr marL="45720" indent="0">
+              <a:buNone/>
+            </a:pPr>
+            <a:r>
+              <a:rPr lang="en-US" dirty="0" smtClean="0"/>
+              <a:t>   in how cocktails are made</a:t>
+            </a:r>
+            <a:endParaRPr lang="en-US" dirty="0" smtClean="0"/>
+          </a:p>
+          <a:p>
+            <a:endParaRPr lang="en-US" dirty="0"/>
+          </a:p>
+          <a:p>
+            <a:endParaRPr lang="en-US" dirty="0" smtClean="0"/>
+          </a:p>
+          <a:p>
+            <a:endParaRPr lang="en-US" dirty="0"/>
+          </a:p>
+          <a:p>
+            <a:r>
+              <a:rPr lang="en-US" dirty="0" smtClean="0"/>
+              <a:t>Missing descriptions</a:t>
+            </a:r>
+          </a:p>
+          <a:p>
+            <a:r>
+              <a:rPr lang="en-US" dirty="0" smtClean="0"/>
+              <a:t>Unrelated drinks mentioned</a:t>
+            </a:r>
+            <a:endParaRPr lang="cs-CZ" dirty="0"/>
+          </a:p>
+        </p:txBody>
+      </p:sp>
+      <p:pic>
+        <p:nvPicPr>
+          <p:cNvPr id="4" name="Picture 2"/>
+          <p:cNvPicPr>
+            <a:picLocks noChangeAspect="1" noChangeArrowheads="1"/>
+          </p:cNvPicPr>
+          <p:nvPr/>
+        </p:nvPicPr>
+        <p:blipFill>
+          <a:blip r:embed="rId3">
+            <a:extLst>
+              <a:ext uri="{28A0092B-C50C-407E-A947-70E740481C1C}">
+                <a14:useLocalDpi xmlns:a14="http://schemas.microsoft.com/office/drawing/2010/main" val="0"/>
+              </a:ext>
+            </a:extLst>
+          </a:blip>
+          <a:srcRect/>
+          <a:stretch>
+            <a:fillRect/>
+          </a:stretch>
+        </p:blipFill>
+        <p:spPr bwMode="auto">
+          <a:xfrm>
+            <a:off x="4860032" y="1052736"/>
+            <a:ext cx="3717079" cy="5630281"/>
+          </a:xfrm>
+          <a:prstGeom prst="rect">
+            <a:avLst/>
+          </a:prstGeom>
+          <a:noFill/>
+          <a:ln>
+            <a:noFill/>
+          </a:ln>
+          <a:effectLst/>
+          <a:extLst>
+            <a:ext uri="{909E8E84-426E-40DD-AFC4-6F175D3DCCD1}">
+              <a14:hiddenFill xmlns:a14="http://schemas.microsoft.com/office/drawing/2010/main">
+                <a:solidFill>
+                  <a:schemeClr val="accent1"/>
+                </a:solidFill>
+              </a14:hiddenFill>
+            </a:ext>
+            <a:ext uri="{91240B29-F687-4F45-9708-019B960494DF}">
+              <a14:hiddenLine xmlns:a14="http://schemas.microsoft.com/office/drawing/2010/main" w="9525">
+                <a:solidFill>
+                  <a:schemeClr val="tx1"/>
+                </a:solidFill>
+                <a:miter lim="800000"/>
+                <a:headEnd/>
+                <a:tailEnd/>
+              </a14:hiddenLine>
+            </a:ext>
+            <a:ext uri="{AF507438-7753-43E0-B8FC-AC1667EBCBE1}">
+              <a14:hiddenEffects xmlns:a14="http://schemas.microsoft.com/office/drawing/2010/main">
+                <a:effectLst>
+                  <a:outerShdw dist="35921" dir="2700000" algn="ctr" rotWithShape="0">
+                    <a:schemeClr val="bg2"/>
+                  </a:outerShdw>
+                </a:effectLst>
+              </a14:hiddenEffects>
+            </a:ext>
+          </a:extLst>
+        </p:spPr>
+      </p:pic>
+      <p:sp>
+        <p:nvSpPr>
+          <p:cNvPr id="5" name="Rectangle 4"/>
+          <p:cNvSpPr/>
+          <p:nvPr/>
+        </p:nvSpPr>
+        <p:spPr>
+          <a:xfrm>
+            <a:off x="4932041" y="1124744"/>
+            <a:ext cx="3528392" cy="1296144"/>
+          </a:xfrm>
+          <a:prstGeom prst="rect">
+            <a:avLst/>
+          </a:prstGeom>
+          <a:noFill/>
+        </p:spPr>
+        <p:style>
+          <a:lnRef idx="2">
+            <a:schemeClr val="accent2"/>
+          </a:lnRef>
+          <a:fillRef idx="1">
+            <a:schemeClr val="lt1"/>
+          </a:fillRef>
+          <a:effectRef idx="0">
+            <a:schemeClr val="accent2"/>
+          </a:effectRef>
+          <a:fontRef idx="minor">
+            <a:schemeClr val="dk1"/>
+          </a:fontRef>
+        </p:style>
+        <p:txBody>
+          <a:bodyPr rtlCol="0" anchor="ctr"/>
+          <a:lstStyle/>
+          <a:p>
+            <a:pPr algn="ctr"/>
+            <a:endParaRPr lang="en-US"/>
+          </a:p>
+        </p:txBody>
+      </p:sp>
+      <p:sp>
+        <p:nvSpPr>
+          <p:cNvPr id="6" name="Rectangle 5"/>
+          <p:cNvSpPr/>
+          <p:nvPr/>
+        </p:nvSpPr>
+        <p:spPr>
+          <a:xfrm>
+            <a:off x="6660232" y="2420888"/>
+            <a:ext cx="1800201" cy="2376264"/>
+          </a:xfrm>
+          <a:prstGeom prst="rect">
+            <a:avLst/>
+          </a:prstGeom>
+          <a:noFill/>
+        </p:spPr>
+        <p:style>
+          <a:lnRef idx="2">
+            <a:schemeClr val="accent2"/>
+          </a:lnRef>
+          <a:fillRef idx="1">
+            <a:schemeClr val="lt1"/>
+          </a:fillRef>
+          <a:effectRef idx="0">
+            <a:schemeClr val="accent2"/>
+          </a:effectRef>
+          <a:fontRef idx="minor">
+            <a:schemeClr val="dk1"/>
+          </a:fontRef>
+        </p:style>
+        <p:txBody>
+          <a:bodyPr rtlCol="0" anchor="ctr"/>
+          <a:lstStyle/>
+          <a:p>
+            <a:pPr algn="ctr"/>
+            <a:endParaRPr lang="en-US"/>
+          </a:p>
+        </p:txBody>
+      </p:sp>
+    </p:spTree>
+    <p:extLst>
+      <p:ext uri="{BB962C8B-B14F-4D97-AF65-F5344CB8AC3E}">
+        <p14:creationId xmlns:p14="http://schemas.microsoft.com/office/powerpoint/2010/main" val="3859228693"/>
+      </p:ext>
+    </p:extLst>
+  </p:cSld>
+  <p:clrMapOvr>
+    <a:masterClrMapping/>
+  </p:clrMapOvr>
+</p:sld>
+</file>
+
+<file path=ppt/slides/slide9.xml><?xml version="1.0" encoding="utf-8"?>
+<p:sld xmlns:a="http://schemas.openxmlformats.org/drawingml/2006/main" xmlns:r="http://schemas.openxmlformats.org/officeDocument/2006/relationships" xmlns:p="http://schemas.openxmlformats.org/presentationml/2006/main">
+  <p:cSld>
+    <p:spTree>
+      <p:nvGrpSpPr>
+        <p:cNvPr id="1" name=""/>
+        <p:cNvGrpSpPr/>
+        <p:nvPr/>
+      </p:nvGrpSpPr>
+      <p:grpSpPr>
+        <a:xfrm>
+          <a:off x="0" y="0"/>
+          <a:ext cx="0" cy="0"/>
+          <a:chOff x="0" y="0"/>
+          <a:chExt cx="0" cy="0"/>
+        </a:xfrm>
+      </p:grpSpPr>
+      <p:sp>
+        <p:nvSpPr>
+          <p:cNvPr id="2" name="Title 1"/>
+          <p:cNvSpPr>
+            <a:spLocks noGrp="1"/>
+          </p:cNvSpPr>
+          <p:nvPr>
+            <p:ph type="title"/>
+          </p:nvPr>
+        </p:nvSpPr>
+        <p:spPr>
+          <a:xfrm>
+            <a:off x="2707196" y="404664"/>
+            <a:ext cx="3729608" cy="588141"/>
+          </a:xfrm>
+        </p:spPr>
+        <p:txBody>
+          <a:bodyPr>
+            <a:normAutofit/>
+          </a:bodyPr>
+          <a:lstStyle/>
+          <a:p>
+            <a:pPr algn="ctr"/>
+            <a:r>
+              <a:rPr lang="en-US" sz="3200" dirty="0" smtClean="0"/>
+              <a:t>Combined</a:t>
+            </a:r>
+            <a:endParaRPr lang="cs-CZ" sz="3200" dirty="0"/>
+          </a:p>
+        </p:txBody>
+      </p:sp>
+      <p:sp>
+        <p:nvSpPr>
+          <p:cNvPr id="3" name="Content Placeholder 2"/>
+          <p:cNvSpPr>
+            <a:spLocks noGrp="1"/>
+          </p:cNvSpPr>
+          <p:nvPr>
+            <p:ph idx="1"/>
+          </p:nvPr>
+        </p:nvSpPr>
+        <p:spPr>
+          <a:xfrm>
+            <a:off x="914400" y="1484785"/>
+            <a:ext cx="7315200" cy="4824576"/>
+          </a:xfrm>
+        </p:spPr>
+        <p:txBody>
+          <a:bodyPr/>
+          <a:lstStyle/>
+          <a:p>
+            <a:r>
+              <a:rPr lang="en-US" dirty="0" smtClean="0"/>
+              <a:t>Best of both worlds .. In theory</a:t>
+            </a:r>
+          </a:p>
+          <a:p>
+            <a:endParaRPr lang="en-US" dirty="0"/>
+          </a:p>
+          <a:p>
+            <a:endParaRPr lang="en-US" dirty="0" smtClean="0"/>
+          </a:p>
+          <a:p>
+            <a:endParaRPr lang="en-US" dirty="0" smtClean="0"/>
+          </a:p>
+          <a:p>
+            <a:r>
+              <a:rPr lang="en-US" dirty="0" smtClean="0"/>
+              <a:t>Sometimes unrelated results appear</a:t>
+            </a:r>
+            <a:endParaRPr lang="cs-CZ" dirty="0"/>
+          </a:p>
+        </p:txBody>
+      </p:sp>
+    </p:spTree>
+    <p:extLst>
+      <p:ext uri="{BB962C8B-B14F-4D97-AF65-F5344CB8AC3E}">
+        <p14:creationId xmlns:p14="http://schemas.microsoft.com/office/powerpoint/2010/main" val="569691143"/>
       </p:ext>
     </p:extLst>
   </p:cSld>

--- a/cocktails.pptx
+++ b/cocktails.pptx
@@ -127,7 +127,7 @@
   </p:defaultTextStyle>
   <p:extLst>
     <p:ext uri="{EFAFB233-063F-42B5-8137-9DF3F51BA10A}">
-      <p15:sldGuideLst xmlns:p15="http://schemas.microsoft.com/office/powerpoint/2012/main">
+      <p15:sldGuideLst xmlns:p15="http://schemas.microsoft.com/office/powerpoint/2012/main" xmlns="">
         <p15:guide id="1" orient="horz" pos="2160">
           <p15:clr>
             <a:srgbClr val="A4A3A4"/>
@@ -141,7 +141,7 @@
       </p15:sldGuideLst>
     </p:ext>
     <p:ext uri="{2D200454-40CA-4A62-9FC3-DE9A4176ACB9}">
-      <p15:notesGuideLst xmlns:p15="http://schemas.microsoft.com/office/powerpoint/2012/main">
+      <p15:notesGuideLst xmlns:p15="http://schemas.microsoft.com/office/powerpoint/2012/main" xmlns="">
         <p15:guide id="1" orient="horz" pos="2880">
           <p15:clr>
             <a:srgbClr val="A4A3A4"/>
@@ -241,7 +241,7 @@
             <a:fld id="{F64383B4-059D-4B18-AC0D-E10910300850}" type="datetimeFigureOut">
               <a:rPr lang="cs-CZ" smtClean="0"/>
               <a:pPr/>
-              <a:t>9. 12. 2019</a:t>
+              <a:t>10. 12. 2019</a:t>
             </a:fld>
             <a:endParaRPr lang="cs-CZ"/>
           </a:p>
@@ -408,7 +408,7 @@
             <a:fld id="{08A03E4A-088C-4F48-AA8C-B1A37BE63C67}" type="datetimeFigureOut">
               <a:rPr lang="cs-CZ" smtClean="0"/>
               <a:pPr/>
-              <a:t>9. 12. 2019</a:t>
+              <a:t>10. 12. 2019</a:t>
             </a:fld>
             <a:endParaRPr lang="cs-CZ"/>
           </a:p>
@@ -1494,7 +1494,7 @@
             <a:fld id="{FBDE739C-6976-4186-B869-F8715C88313A}" type="datetimeFigureOut">
               <a:rPr lang="cs-CZ" smtClean="0"/>
               <a:pPr/>
-              <a:t>9. 12. 2019</a:t>
+              <a:t>10. 12. 2019</a:t>
             </a:fld>
             <a:endParaRPr lang="cs-CZ"/>
           </a:p>
@@ -1666,7 +1666,7 @@
             <a:fld id="{FBDE739C-6976-4186-B869-F8715C88313A}" type="datetimeFigureOut">
               <a:rPr lang="cs-CZ" smtClean="0"/>
               <a:pPr/>
-              <a:t>9. 12. 2019</a:t>
+              <a:t>10. 12. 2019</a:t>
             </a:fld>
             <a:endParaRPr lang="cs-CZ"/>
           </a:p>
@@ -1848,7 +1848,7 @@
             <a:fld id="{FBDE739C-6976-4186-B869-F8715C88313A}" type="datetimeFigureOut">
               <a:rPr lang="cs-CZ" smtClean="0"/>
               <a:pPr/>
-              <a:t>9. 12. 2019</a:t>
+              <a:t>10. 12. 2019</a:t>
             </a:fld>
             <a:endParaRPr lang="cs-CZ"/>
           </a:p>
@@ -2092,7 +2092,7 @@
             <a:fld id="{2ABB2527-7C79-45A7-A85F-02EBEB396A2D}" type="datetimeFigureOut">
               <a:rPr lang="cs-CZ" smtClean="0"/>
               <a:pPr/>
-              <a:t>9. 12. 2019</a:t>
+              <a:t>10. 12. 2019</a:t>
             </a:fld>
             <a:endParaRPr lang="cs-CZ"/>
           </a:p>
@@ -2264,7 +2264,7 @@
             <a:fld id="{2ABB2527-7C79-45A7-A85F-02EBEB396A2D}" type="datetimeFigureOut">
               <a:rPr lang="cs-CZ" smtClean="0"/>
               <a:pPr/>
-              <a:t>9. 12. 2019</a:t>
+              <a:t>10. 12. 2019</a:t>
             </a:fld>
             <a:endParaRPr lang="cs-CZ"/>
           </a:p>
@@ -2512,7 +2512,7 @@
             <a:fld id="{2ABB2527-7C79-45A7-A85F-02EBEB396A2D}" type="datetimeFigureOut">
               <a:rPr lang="cs-CZ" smtClean="0"/>
               <a:pPr/>
-              <a:t>9. 12. 2019</a:t>
+              <a:t>10. 12. 2019</a:t>
             </a:fld>
             <a:endParaRPr lang="cs-CZ"/>
           </a:p>
@@ -2802,7 +2802,7 @@
             <a:fld id="{2ABB2527-7C79-45A7-A85F-02EBEB396A2D}" type="datetimeFigureOut">
               <a:rPr lang="cs-CZ" smtClean="0"/>
               <a:pPr/>
-              <a:t>9. 12. 2019</a:t>
+              <a:t>10. 12. 2019</a:t>
             </a:fld>
             <a:endParaRPr lang="cs-CZ"/>
           </a:p>
@@ -3226,7 +3226,7 @@
             <a:fld id="{2ABB2527-7C79-45A7-A85F-02EBEB396A2D}" type="datetimeFigureOut">
               <a:rPr lang="cs-CZ" smtClean="0"/>
               <a:pPr/>
-              <a:t>9. 12. 2019</a:t>
+              <a:t>10. 12. 2019</a:t>
             </a:fld>
             <a:endParaRPr lang="cs-CZ"/>
           </a:p>
@@ -3346,7 +3346,7 @@
             <a:fld id="{2ABB2527-7C79-45A7-A85F-02EBEB396A2D}" type="datetimeFigureOut">
               <a:rPr lang="cs-CZ" smtClean="0"/>
               <a:pPr/>
-              <a:t>9. 12. 2019</a:t>
+              <a:t>10. 12. 2019</a:t>
             </a:fld>
             <a:endParaRPr lang="cs-CZ"/>
           </a:p>
@@ -3443,7 +3443,7 @@
             <a:fld id="{2ABB2527-7C79-45A7-A85F-02EBEB396A2D}" type="datetimeFigureOut">
               <a:rPr lang="cs-CZ" smtClean="0"/>
               <a:pPr/>
-              <a:t>9. 12. 2019</a:t>
+              <a:t>10. 12. 2019</a:t>
             </a:fld>
             <a:endParaRPr lang="cs-CZ"/>
           </a:p>
@@ -3722,7 +3722,7 @@
             <a:fld id="{2ABB2527-7C79-45A7-A85F-02EBEB396A2D}" type="datetimeFigureOut">
               <a:rPr lang="cs-CZ" smtClean="0"/>
               <a:pPr/>
-              <a:t>9. 12. 2019</a:t>
+              <a:t>10. 12. 2019</a:t>
             </a:fld>
             <a:endParaRPr lang="cs-CZ"/>
           </a:p>
@@ -3894,7 +3894,7 @@
             <a:fld id="{FBDE739C-6976-4186-B869-F8715C88313A}" type="datetimeFigureOut">
               <a:rPr lang="cs-CZ" smtClean="0"/>
               <a:pPr/>
-              <a:t>9. 12. 2019</a:t>
+              <a:t>10. 12. 2019</a:t>
             </a:fld>
             <a:endParaRPr lang="cs-CZ"/>
           </a:p>
@@ -4149,7 +4149,7 @@
             <a:fld id="{2ABB2527-7C79-45A7-A85F-02EBEB396A2D}" type="datetimeFigureOut">
               <a:rPr lang="cs-CZ" smtClean="0"/>
               <a:pPr/>
-              <a:t>9. 12. 2019</a:t>
+              <a:t>10. 12. 2019</a:t>
             </a:fld>
             <a:endParaRPr lang="cs-CZ"/>
           </a:p>
@@ -4321,7 +4321,7 @@
             <a:fld id="{2ABB2527-7C79-45A7-A85F-02EBEB396A2D}" type="datetimeFigureOut">
               <a:rPr lang="cs-CZ" smtClean="0"/>
               <a:pPr/>
-              <a:t>9. 12. 2019</a:t>
+              <a:t>10. 12. 2019</a:t>
             </a:fld>
             <a:endParaRPr lang="cs-CZ"/>
           </a:p>
@@ -4503,7 +4503,7 @@
             <a:fld id="{2ABB2527-7C79-45A7-A85F-02EBEB396A2D}" type="datetimeFigureOut">
               <a:rPr lang="cs-CZ" smtClean="0"/>
               <a:pPr/>
-              <a:t>9. 12. 2019</a:t>
+              <a:t>10. 12. 2019</a:t>
             </a:fld>
             <a:endParaRPr lang="cs-CZ"/>
           </a:p>
@@ -4753,7 +4753,7 @@
             <a:fld id="{FBDE739C-6976-4186-B869-F8715C88313A}" type="datetimeFigureOut">
               <a:rPr lang="cs-CZ" smtClean="0"/>
               <a:pPr/>
-              <a:t>9. 12. 2019</a:t>
+              <a:t>10. 12. 2019</a:t>
             </a:fld>
             <a:endParaRPr lang="cs-CZ"/>
           </a:p>
@@ -4920,7 +4920,7 @@
             <a:fld id="{CAE6B357-51B9-47D2-A71D-0D06CB03185D}" type="datetime1">
               <a:rPr lang="en-US" smtClean="0"/>
               <a:pPr/>
-              <a:t>12/9/2019</a:t>
+              <a:t>12/10/2019</a:t>
             </a:fld>
             <a:endParaRPr lang="en-US"/>
           </a:p>
@@ -5161,7 +5161,7 @@
             <a:fld id="{FBDE739C-6976-4186-B869-F8715C88313A}" type="datetimeFigureOut">
               <a:rPr lang="cs-CZ" smtClean="0"/>
               <a:pPr/>
-              <a:t>9. 12. 2019</a:t>
+              <a:t>10. 12. 2019</a:t>
             </a:fld>
             <a:endParaRPr lang="cs-CZ"/>
           </a:p>
@@ -5253,7 +5253,7 @@
             <a:fld id="{FBDE739C-6976-4186-B869-F8715C88313A}" type="datetimeFigureOut">
               <a:rPr lang="cs-CZ" smtClean="0"/>
               <a:pPr/>
-              <a:t>9. 12. 2019</a:t>
+              <a:t>10. 12. 2019</a:t>
             </a:fld>
             <a:endParaRPr lang="cs-CZ"/>
           </a:p>
@@ -5629,7 +5629,7 @@
             <a:fld id="{FBDE739C-6976-4186-B869-F8715C88313A}" type="datetimeFigureOut">
               <a:rPr lang="cs-CZ" smtClean="0"/>
               <a:pPr/>
-              <a:t>9. 12. 2019</a:t>
+              <a:t>10. 12. 2019</a:t>
             </a:fld>
             <a:endParaRPr lang="cs-CZ"/>
           </a:p>
@@ -5886,7 +5886,7 @@
             <a:fld id="{FBDE739C-6976-4186-B869-F8715C88313A}" type="datetimeFigureOut">
               <a:rPr lang="cs-CZ" smtClean="0"/>
               <a:pPr/>
-              <a:t>9. 12. 2019</a:t>
+              <a:t>10. 12. 2019</a:t>
             </a:fld>
             <a:endParaRPr lang="cs-CZ"/>
           </a:p>
@@ -5978,7 +5978,7 @@
             <a:fld id="{FBDE739C-6976-4186-B869-F8715C88313A}" type="datetimeFigureOut">
               <a:rPr lang="cs-CZ" smtClean="0"/>
               <a:pPr/>
-              <a:t>9. 12. 2019</a:t>
+              <a:t>10. 12. 2019</a:t>
             </a:fld>
             <a:endParaRPr lang="cs-CZ"/>
           </a:p>
@@ -6221,7 +6221,7 @@
             <a:fld id="{FBDE739C-6976-4186-B869-F8715C88313A}" type="datetimeFigureOut">
               <a:rPr lang="cs-CZ" smtClean="0"/>
               <a:pPr/>
-              <a:t>9. 12. 2019</a:t>
+              <a:t>10. 12. 2019</a:t>
             </a:fld>
             <a:endParaRPr lang="cs-CZ"/>
           </a:p>
@@ -6502,7 +6502,7 @@
             <a:fld id="{FBDE739C-6976-4186-B869-F8715C88313A}" type="datetimeFigureOut">
               <a:rPr lang="cs-CZ" smtClean="0"/>
               <a:pPr/>
-              <a:t>9. 12. 2019</a:t>
+              <a:t>10. 12. 2019</a:t>
             </a:fld>
             <a:endParaRPr lang="cs-CZ"/>
           </a:p>
@@ -6776,7 +6776,7 @@
             <a:fld id="{FBDE739C-6976-4186-B869-F8715C88313A}" type="datetimeFigureOut">
               <a:rPr lang="cs-CZ" smtClean="0"/>
               <a:pPr/>
-              <a:t>9. 12. 2019</a:t>
+              <a:t>10. 12. 2019</a:t>
             </a:fld>
             <a:endParaRPr lang="cs-CZ"/>
           </a:p>
@@ -6943,7 +6943,7 @@
             <a:fld id="{FBDE739C-6976-4186-B869-F8715C88313A}" type="datetimeFigureOut">
               <a:rPr lang="cs-CZ" smtClean="0"/>
               <a:pPr/>
-              <a:t>9. 12. 2019</a:t>
+              <a:t>10. 12. 2019</a:t>
             </a:fld>
             <a:endParaRPr lang="cs-CZ"/>
           </a:p>
@@ -7120,7 +7120,7 @@
             <a:fld id="{FBDE739C-6976-4186-B869-F8715C88313A}" type="datetimeFigureOut">
               <a:rPr lang="cs-CZ" smtClean="0"/>
               <a:pPr/>
-              <a:t>9. 12. 2019</a:t>
+              <a:t>10. 12. 2019</a:t>
             </a:fld>
             <a:endParaRPr lang="cs-CZ"/>
           </a:p>
@@ -7405,7 +7405,7 @@
             <a:fld id="{FBDE739C-6976-4186-B869-F8715C88313A}" type="datetimeFigureOut">
               <a:rPr lang="cs-CZ" smtClean="0"/>
               <a:pPr/>
-              <a:t>9. 12. 2019</a:t>
+              <a:t>10. 12. 2019</a:t>
             </a:fld>
             <a:endParaRPr lang="cs-CZ"/>
           </a:p>
@@ -7829,7 +7829,7 @@
             <a:fld id="{FBDE739C-6976-4186-B869-F8715C88313A}" type="datetimeFigureOut">
               <a:rPr lang="cs-CZ" smtClean="0"/>
               <a:pPr/>
-              <a:t>9. 12. 2019</a:t>
+              <a:t>10. 12. 2019</a:t>
             </a:fld>
             <a:endParaRPr lang="cs-CZ"/>
           </a:p>
@@ -7949,7 +7949,7 @@
             <a:fld id="{FBDE739C-6976-4186-B869-F8715C88313A}" type="datetimeFigureOut">
               <a:rPr lang="cs-CZ" smtClean="0"/>
               <a:pPr/>
-              <a:t>9. 12. 2019</a:t>
+              <a:t>10. 12. 2019</a:t>
             </a:fld>
             <a:endParaRPr lang="cs-CZ"/>
           </a:p>
@@ -8046,7 +8046,7 @@
             <a:fld id="{FBDE739C-6976-4186-B869-F8715C88313A}" type="datetimeFigureOut">
               <a:rPr lang="cs-CZ" smtClean="0"/>
               <a:pPr/>
-              <a:t>9. 12. 2019</a:t>
+              <a:t>10. 12. 2019</a:t>
             </a:fld>
             <a:endParaRPr lang="cs-CZ"/>
           </a:p>
@@ -8325,7 +8325,7 @@
             <a:fld id="{FBDE739C-6976-4186-B869-F8715C88313A}" type="datetimeFigureOut">
               <a:rPr lang="cs-CZ" smtClean="0"/>
               <a:pPr/>
-              <a:t>9. 12. 2019</a:t>
+              <a:t>10. 12. 2019</a:t>
             </a:fld>
             <a:endParaRPr lang="cs-CZ"/>
           </a:p>
@@ -8580,7 +8580,7 @@
             <a:fld id="{FBDE739C-6976-4186-B869-F8715C88313A}" type="datetimeFigureOut">
               <a:rPr lang="cs-CZ" smtClean="0"/>
               <a:pPr/>
-              <a:t>9. 12. 2019</a:t>
+              <a:t>10. 12. 2019</a:t>
             </a:fld>
             <a:endParaRPr lang="cs-CZ"/>
           </a:p>
@@ -8795,7 +8795,7 @@
             <a:fld id="{FBDE739C-6976-4186-B869-F8715C88313A}" type="datetimeFigureOut">
               <a:rPr lang="cs-CZ" smtClean="0"/>
               <a:pPr/>
-              <a:t>9. 12. 2019</a:t>
+              <a:t>10. 12. 2019</a:t>
             </a:fld>
             <a:endParaRPr lang="cs-CZ"/>
           </a:p>
@@ -9314,7 +9314,7 @@
             <a:fld id="{2ABB2527-7C79-45A7-A85F-02EBEB396A2D}" type="datetimeFigureOut">
               <a:rPr lang="cs-CZ" smtClean="0"/>
               <a:pPr/>
-              <a:t>9. 12. 2019</a:t>
+              <a:t>10. 12. 2019</a:t>
             </a:fld>
             <a:endParaRPr lang="cs-CZ"/>
           </a:p>
@@ -9918,7 +9918,7 @@
             <a:fld id="{FBDE739C-6976-4186-B869-F8715C88313A}" type="datetimeFigureOut">
               <a:rPr lang="cs-CZ" smtClean="0"/>
               <a:pPr/>
-              <a:t>9. 12. 2019</a:t>
+              <a:t>10. 12. 2019</a:t>
             </a:fld>
             <a:endParaRPr lang="cs-CZ"/>
           </a:p>
@@ -10750,7 +10750,6 @@
               <a:rPr lang="en-US" dirty="0" smtClean="0"/>
               <a:t>Should deal with recommending drinks based on less important categories</a:t>
             </a:r>
-            <a:endParaRPr lang="en-US" dirty="0" smtClean="0"/>
           </a:p>
           <a:p>
             <a:endParaRPr lang="cs-CZ" dirty="0"/>
@@ -11024,11 +11023,7 @@
           <a:p>
             <a:r>
               <a:rPr lang="en-US" dirty="0" smtClean="0"/>
-              <a:t>Graphs about how different are the sets produce by selecte</a:t>
-            </a:r>
-            <a:r>
-              <a:rPr lang="en-US" dirty="0" smtClean="0"/>
-              <a:t>d methods ?</a:t>
+              <a:t>Graphs about how different are the sets produce by selected methods ?</a:t>
             </a:r>
           </a:p>
           <a:p>
@@ -11143,11 +11138,7 @@
           <a:p>
             <a:r>
               <a:rPr lang="en-US" dirty="0" smtClean="0"/>
-              <a:t>Screenshot + description of th</a:t>
-            </a:r>
-            <a:r>
-              <a:rPr lang="en-US" dirty="0" smtClean="0"/>
-              <a:t>e final app</a:t>
+              <a:t>Screenshot + description of the final app</a:t>
             </a:r>
             <a:endParaRPr lang="cs-CZ" dirty="0"/>
           </a:p>
@@ -11683,7 +11674,7 @@
         </p:nvSpPr>
         <p:spPr>
           <a:xfrm>
-            <a:off x="827584" y="1268760"/>
+            <a:off x="827584" y="1052736"/>
             <a:ext cx="7632848" cy="5112568"/>
           </a:xfrm>
         </p:spPr>
@@ -11691,6 +11682,98 @@
           <a:bodyPr/>
           <a:lstStyle/>
           <a:p>
+            <a:r>
+              <a:rPr lang="en-US" dirty="0"/>
+              <a:t>I</a:t>
+            </a:r>
+            <a:r>
+              <a:rPr lang="en-US" dirty="0" smtClean="0"/>
+              <a:t>mplemented in python using </a:t>
+            </a:r>
+            <a:r>
+              <a:rPr lang="cs-CZ" dirty="0" smtClean="0"/>
+              <a:t>beautifulsoup4</a:t>
+            </a:r>
+            <a:r>
+              <a:rPr lang="en-US" dirty="0"/>
+              <a:t>,</a:t>
+            </a:r>
+            <a:r>
+              <a:rPr lang="en-US" dirty="0" smtClean="0"/>
+              <a:t> </a:t>
+            </a:r>
+            <a:r>
+              <a:rPr lang="cs-CZ" dirty="0" smtClean="0"/>
+              <a:t>requests</a:t>
+            </a:r>
+            <a:r>
+              <a:rPr lang="en-US" dirty="0" smtClean="0"/>
+              <a:t>, re libraries</a:t>
+            </a:r>
+          </a:p>
+          <a:p>
+            <a:endParaRPr lang="en-US" dirty="0"/>
+          </a:p>
+          <a:p>
+            <a:endParaRPr lang="en-US" dirty="0"/>
+          </a:p>
+          <a:p>
+            <a:r>
+              <a:rPr lang="en-US" dirty="0" smtClean="0"/>
+              <a:t>Ingredients without amount or weight</a:t>
+            </a:r>
+          </a:p>
+          <a:p>
+            <a:r>
+              <a:rPr lang="en-US" dirty="0" smtClean="0"/>
+              <a:t>11 Profile categories plus glass and garnish</a:t>
+            </a:r>
+          </a:p>
+          <a:p>
+            <a:r>
+              <a:rPr lang="en-US" dirty="0" smtClean="0"/>
+              <a:t>About recipe</a:t>
+            </a:r>
+          </a:p>
+          <a:p>
+            <a:r>
+              <a:rPr lang="en-US" dirty="0" smtClean="0"/>
+              <a:t>How to make recipe</a:t>
+            </a:r>
+          </a:p>
+          <a:p>
+            <a:r>
+              <a:rPr lang="en-US" dirty="0" smtClean="0"/>
+              <a:t>Picture for front end</a:t>
+            </a:r>
+          </a:p>
+          <a:p>
+            <a:endParaRPr lang="en-US" dirty="0" smtClean="0"/>
+          </a:p>
+          <a:p>
+            <a:endParaRPr lang="en-US" dirty="0"/>
+          </a:p>
+          <a:p>
+            <a:r>
+              <a:rPr lang="en-US" dirty="0" smtClean="0"/>
+              <a:t>Output: </a:t>
+            </a:r>
+            <a:r>
+              <a:rPr lang="en-US" dirty="0" err="1" smtClean="0"/>
+              <a:t>csv</a:t>
+            </a:r>
+            <a:r>
+              <a:rPr lang="en-US" dirty="0" smtClean="0"/>
+              <a:t> for recommender, </a:t>
+            </a:r>
+            <a:r>
+              <a:rPr lang="en-US" dirty="0" err="1" smtClean="0"/>
+              <a:t>json</a:t>
+            </a:r>
+            <a:r>
+              <a:rPr lang="en-US" dirty="0" smtClean="0"/>
+              <a:t> for front-end</a:t>
+            </a:r>
             <a:endParaRPr lang="cs-CZ" dirty="0"/>
           </a:p>
         </p:txBody>
@@ -12143,11 +12226,7 @@
           <a:p>
             <a:r>
               <a:rPr lang="en-US" dirty="0" smtClean="0"/>
-              <a:t>Can </a:t>
-            </a:r>
-            <a:r>
-              <a:rPr lang="en-US" dirty="0" smtClean="0"/>
-              <a:t>pick unusual similarities</a:t>
+              <a:t>Can pick unusual similarities</a:t>
             </a:r>
           </a:p>
           <a:p>
@@ -12164,7 +12243,6 @@
               <a:rPr lang="en-US" dirty="0" smtClean="0"/>
               <a:t>   in how cocktails are made</a:t>
             </a:r>
-            <a:endParaRPr lang="en-US" dirty="0" smtClean="0"/>
           </a:p>
           <a:p>
             <a:endParaRPr lang="en-US" dirty="0"/>

--- a/cocktails.pptx
+++ b/cocktails.pptx
@@ -7,10 +7,10 @@
     <p:sldMasterId id="2147483708" r:id="rId3"/>
   </p:sldMasterIdLst>
   <p:notesMasterIdLst>
-    <p:notesMasterId r:id="rId18"/>
+    <p:notesMasterId r:id="rId20"/>
   </p:notesMasterIdLst>
   <p:handoutMasterIdLst>
-    <p:handoutMasterId r:id="rId19"/>
+    <p:handoutMasterId r:id="rId21"/>
   </p:handoutMasterIdLst>
   <p:sldIdLst>
     <p:sldId id="259" r:id="rId4"/>
@@ -26,7 +26,9 @@
     <p:sldId id="265" r:id="rId14"/>
     <p:sldId id="266" r:id="rId15"/>
     <p:sldId id="267" r:id="rId16"/>
-    <p:sldId id="268" r:id="rId17"/>
+    <p:sldId id="274" r:id="rId17"/>
+    <p:sldId id="275" r:id="rId18"/>
+    <p:sldId id="268" r:id="rId19"/>
   </p:sldIdLst>
   <p:sldSz cx="9144000" cy="6858000" type="screen4x3"/>
   <p:notesSz cx="6858000" cy="9144000"/>
@@ -127,7 +129,7 @@
   </p:defaultTextStyle>
   <p:extLst>
     <p:ext uri="{EFAFB233-063F-42B5-8137-9DF3F51BA10A}">
-      <p15:sldGuideLst xmlns:p15="http://schemas.microsoft.com/office/powerpoint/2012/main" xmlns="">
+      <p15:sldGuideLst xmlns:p15="http://schemas.microsoft.com/office/powerpoint/2012/main">
         <p15:guide id="1" orient="horz" pos="2160">
           <p15:clr>
             <a:srgbClr val="A4A3A4"/>
@@ -141,7 +143,7 @@
       </p15:sldGuideLst>
     </p:ext>
     <p:ext uri="{2D200454-40CA-4A62-9FC3-DE9A4176ACB9}">
-      <p15:notesGuideLst xmlns:p15="http://schemas.microsoft.com/office/powerpoint/2012/main" xmlns="">
+      <p15:notesGuideLst xmlns:p15="http://schemas.microsoft.com/office/powerpoint/2012/main">
         <p15:guide id="1" orient="horz" pos="2880">
           <p15:clr>
             <a:srgbClr val="A4A3A4"/>
@@ -762,6 +764,281 @@
 </p:notes>
 </file>
 
+<file path=ppt/notesSlides/notesSlide10.xml><?xml version="1.0" encoding="utf-8"?>
+<p:notes xmlns:a="http://schemas.openxmlformats.org/drawingml/2006/main" xmlns:r="http://schemas.openxmlformats.org/officeDocument/2006/relationships" xmlns:p="http://schemas.openxmlformats.org/presentationml/2006/main">
+  <p:cSld>
+    <p:spTree>
+      <p:nvGrpSpPr>
+        <p:cNvPr id="1" name=""/>
+        <p:cNvGrpSpPr/>
+        <p:nvPr/>
+      </p:nvGrpSpPr>
+      <p:grpSpPr>
+        <a:xfrm>
+          <a:off x="0" y="0"/>
+          <a:ext cx="0" cy="0"/>
+          <a:chOff x="0" y="0"/>
+          <a:chExt cx="0" cy="0"/>
+        </a:xfrm>
+      </p:grpSpPr>
+      <p:sp>
+        <p:nvSpPr>
+          <p:cNvPr id="2" name="Slide Image Placeholder 1"/>
+          <p:cNvSpPr>
+            <a:spLocks noGrp="1" noRot="1" noChangeAspect="1"/>
+          </p:cNvSpPr>
+          <p:nvPr>
+            <p:ph type="sldImg"/>
+          </p:nvPr>
+        </p:nvSpPr>
+        <p:spPr/>
+      </p:sp>
+      <p:sp>
+        <p:nvSpPr>
+          <p:cNvPr id="3" name="Notes Placeholder 2"/>
+          <p:cNvSpPr>
+            <a:spLocks noGrp="1"/>
+          </p:cNvSpPr>
+          <p:nvPr>
+            <p:ph type="body" idx="1"/>
+          </p:nvPr>
+        </p:nvSpPr>
+        <p:spPr/>
+        <p:txBody>
+          <a:bodyPr/>
+          <a:lstStyle/>
+          <a:p>
+            <a:r>
+              <a:rPr lang="en-US" dirty="0" smtClean="0"/>
+              <a:t>Little intersection among varying list sizes</a:t>
+            </a:r>
+            <a:endParaRPr lang="en-US" dirty="0"/>
+          </a:p>
+        </p:txBody>
+      </p:sp>
+      <p:sp>
+        <p:nvSpPr>
+          <p:cNvPr id="4" name="Slide Number Placeholder 3"/>
+          <p:cNvSpPr>
+            <a:spLocks noGrp="1"/>
+          </p:cNvSpPr>
+          <p:nvPr>
+            <p:ph type="sldNum" sz="quarter" idx="10"/>
+          </p:nvPr>
+        </p:nvSpPr>
+        <p:spPr/>
+        <p:txBody>
+          <a:bodyPr/>
+          <a:lstStyle/>
+          <a:p>
+            <a:fld id="{33EFAA6C-2AC7-4B7E-83E0-5928ADC34D0B}" type="slidenum">
+              <a:rPr lang="cs-CZ" smtClean="0"/>
+              <a:pPr/>
+              <a:t>13</a:t>
+            </a:fld>
+            <a:endParaRPr lang="cs-CZ"/>
+          </a:p>
+        </p:txBody>
+      </p:sp>
+    </p:spTree>
+    <p:extLst>
+      <p:ext uri="{BB962C8B-B14F-4D97-AF65-F5344CB8AC3E}">
+        <p14:creationId xmlns:p14="http://schemas.microsoft.com/office/powerpoint/2010/main" val="2545168670"/>
+      </p:ext>
+    </p:extLst>
+  </p:cSld>
+  <p:clrMapOvr>
+    <a:masterClrMapping/>
+  </p:clrMapOvr>
+</p:notes>
+</file>
+
+<file path=ppt/notesSlides/notesSlide11.xml><?xml version="1.0" encoding="utf-8"?>
+<p:notes xmlns:a="http://schemas.openxmlformats.org/drawingml/2006/main" xmlns:r="http://schemas.openxmlformats.org/officeDocument/2006/relationships" xmlns:p="http://schemas.openxmlformats.org/presentationml/2006/main">
+  <p:cSld>
+    <p:spTree>
+      <p:nvGrpSpPr>
+        <p:cNvPr id="1" name=""/>
+        <p:cNvGrpSpPr/>
+        <p:nvPr/>
+      </p:nvGrpSpPr>
+      <p:grpSpPr>
+        <a:xfrm>
+          <a:off x="0" y="0"/>
+          <a:ext cx="0" cy="0"/>
+          <a:chOff x="0" y="0"/>
+          <a:chExt cx="0" cy="0"/>
+        </a:xfrm>
+      </p:grpSpPr>
+      <p:sp>
+        <p:nvSpPr>
+          <p:cNvPr id="2" name="Slide Image Placeholder 1"/>
+          <p:cNvSpPr>
+            <a:spLocks noGrp="1" noRot="1" noChangeAspect="1"/>
+          </p:cNvSpPr>
+          <p:nvPr>
+            <p:ph type="sldImg"/>
+          </p:nvPr>
+        </p:nvSpPr>
+        <p:spPr/>
+      </p:sp>
+      <p:sp>
+        <p:nvSpPr>
+          <p:cNvPr id="3" name="Notes Placeholder 2"/>
+          <p:cNvSpPr>
+            <a:spLocks noGrp="1"/>
+          </p:cNvSpPr>
+          <p:nvPr>
+            <p:ph type="body" idx="1"/>
+          </p:nvPr>
+        </p:nvSpPr>
+        <p:spPr/>
+        <p:txBody>
+          <a:bodyPr/>
+          <a:lstStyle/>
+          <a:p>
+            <a:r>
+              <a:rPr lang="en-US" dirty="0" smtClean="0"/>
+              <a:t>Quite similar but not completely</a:t>
+            </a:r>
+            <a:r>
+              <a:rPr lang="en-US" baseline="0" dirty="0" smtClean="0"/>
+              <a:t> – suppose the boosting does is job</a:t>
+            </a:r>
+            <a:endParaRPr lang="en-US" dirty="0"/>
+          </a:p>
+        </p:txBody>
+      </p:sp>
+      <p:sp>
+        <p:nvSpPr>
+          <p:cNvPr id="4" name="Slide Number Placeholder 3"/>
+          <p:cNvSpPr>
+            <a:spLocks noGrp="1"/>
+          </p:cNvSpPr>
+          <p:nvPr>
+            <p:ph type="sldNum" sz="quarter" idx="10"/>
+          </p:nvPr>
+        </p:nvSpPr>
+        <p:spPr/>
+        <p:txBody>
+          <a:bodyPr/>
+          <a:lstStyle/>
+          <a:p>
+            <a:fld id="{33EFAA6C-2AC7-4B7E-83E0-5928ADC34D0B}" type="slidenum">
+              <a:rPr lang="cs-CZ" smtClean="0"/>
+              <a:pPr/>
+              <a:t>14</a:t>
+            </a:fld>
+            <a:endParaRPr lang="cs-CZ"/>
+          </a:p>
+        </p:txBody>
+      </p:sp>
+    </p:spTree>
+    <p:extLst>
+      <p:ext uri="{BB962C8B-B14F-4D97-AF65-F5344CB8AC3E}">
+        <p14:creationId xmlns:p14="http://schemas.microsoft.com/office/powerpoint/2010/main" val="3932974273"/>
+      </p:ext>
+    </p:extLst>
+  </p:cSld>
+  <p:clrMapOvr>
+    <a:masterClrMapping/>
+  </p:clrMapOvr>
+</p:notes>
+</file>
+
+<file path=ppt/notesSlides/notesSlide12.xml><?xml version="1.0" encoding="utf-8"?>
+<p:notes xmlns:a="http://schemas.openxmlformats.org/drawingml/2006/main" xmlns:r="http://schemas.openxmlformats.org/officeDocument/2006/relationships" xmlns:p="http://schemas.openxmlformats.org/presentationml/2006/main">
+  <p:cSld>
+    <p:spTree>
+      <p:nvGrpSpPr>
+        <p:cNvPr id="1" name=""/>
+        <p:cNvGrpSpPr/>
+        <p:nvPr/>
+      </p:nvGrpSpPr>
+      <p:grpSpPr>
+        <a:xfrm>
+          <a:off x="0" y="0"/>
+          <a:ext cx="0" cy="0"/>
+          <a:chOff x="0" y="0"/>
+          <a:chExt cx="0" cy="0"/>
+        </a:xfrm>
+      </p:grpSpPr>
+      <p:sp>
+        <p:nvSpPr>
+          <p:cNvPr id="2" name="Slide Image Placeholder 1"/>
+          <p:cNvSpPr>
+            <a:spLocks noGrp="1" noRot="1" noChangeAspect="1"/>
+          </p:cNvSpPr>
+          <p:nvPr>
+            <p:ph type="sldImg"/>
+          </p:nvPr>
+        </p:nvSpPr>
+        <p:spPr/>
+      </p:sp>
+      <p:sp>
+        <p:nvSpPr>
+          <p:cNvPr id="3" name="Notes Placeholder 2"/>
+          <p:cNvSpPr>
+            <a:spLocks noGrp="1"/>
+          </p:cNvSpPr>
+          <p:nvPr>
+            <p:ph type="body" idx="1"/>
+          </p:nvPr>
+        </p:nvSpPr>
+        <p:spPr/>
+        <p:txBody>
+          <a:bodyPr/>
+          <a:lstStyle/>
+          <a:p>
+            <a:r>
+              <a:rPr lang="en-US" dirty="0" smtClean="0"/>
+              <a:t>Profile</a:t>
+            </a:r>
+            <a:r>
+              <a:rPr lang="en-US" baseline="0" dirty="0" smtClean="0"/>
+              <a:t> makes up a significant chunk of the Combined list, but the added drinks from Description method prove useful – since Combined won</a:t>
+            </a:r>
+            <a:endParaRPr lang="en-US" dirty="0"/>
+          </a:p>
+        </p:txBody>
+      </p:sp>
+      <p:sp>
+        <p:nvSpPr>
+          <p:cNvPr id="4" name="Slide Number Placeholder 3"/>
+          <p:cNvSpPr>
+            <a:spLocks noGrp="1"/>
+          </p:cNvSpPr>
+          <p:nvPr>
+            <p:ph type="sldNum" sz="quarter" idx="10"/>
+          </p:nvPr>
+        </p:nvSpPr>
+        <p:spPr/>
+        <p:txBody>
+          <a:bodyPr/>
+          <a:lstStyle/>
+          <a:p>
+            <a:fld id="{33EFAA6C-2AC7-4B7E-83E0-5928ADC34D0B}" type="slidenum">
+              <a:rPr lang="cs-CZ" smtClean="0"/>
+              <a:pPr/>
+              <a:t>15</a:t>
+            </a:fld>
+            <a:endParaRPr lang="cs-CZ"/>
+          </a:p>
+        </p:txBody>
+      </p:sp>
+    </p:spTree>
+    <p:extLst>
+      <p:ext uri="{BB962C8B-B14F-4D97-AF65-F5344CB8AC3E}">
+        <p14:creationId xmlns:p14="http://schemas.microsoft.com/office/powerpoint/2010/main" val="3681991776"/>
+      </p:ext>
+    </p:extLst>
+  </p:cSld>
+  <p:clrMapOvr>
+    <a:masterClrMapping/>
+  </p:clrMapOvr>
+</p:notes>
+</file>
+
 <file path=ppt/notesSlides/notesSlide2.xml><?xml version="1.0" encoding="utf-8"?>
 <p:notes xmlns:a="http://schemas.openxmlformats.org/drawingml/2006/main" xmlns:r="http://schemas.openxmlformats.org/officeDocument/2006/relationships" xmlns:p="http://schemas.openxmlformats.org/presentationml/2006/main">
   <p:cSld>
@@ -1087,7 +1364,23 @@
             </a:r>
             <a:r>
               <a:rPr lang="en-US" baseline="0" dirty="0" smtClean="0"/>
-              <a:t> pick up onto unusual similarities – same book, same series of drinks .. First problem – some drinks were missing descriptions … Another – descriptions mention unrelated drinks</a:t>
+              <a:t> pick up onto unusual similarities – same book, same series of </a:t>
+            </a:r>
+            <a:r>
+              <a:rPr lang="en-US" baseline="0" dirty="0" smtClean="0"/>
+              <a:t>drinks, city of origin </a:t>
+            </a:r>
+            <a:r>
+              <a:rPr lang="en-US" baseline="0" dirty="0" smtClean="0"/>
+              <a:t>.. </a:t>
+            </a:r>
+            <a:r>
+              <a:rPr lang="en-US" baseline="0" dirty="0" smtClean="0"/>
+              <a:t>Recipe description mentions ingredients .. First </a:t>
+            </a:r>
+            <a:r>
+              <a:rPr lang="en-US" baseline="0" dirty="0" smtClean="0"/>
+              <a:t>problem – some drinks were missing descriptions … Another – descriptions mention unrelated drinks</a:t>
             </a:r>
             <a:endParaRPr lang="en-US" dirty="0"/>
           </a:p>
@@ -1176,7 +1469,11 @@
           <a:p>
             <a:r>
               <a:rPr lang="en-US" dirty="0" smtClean="0"/>
-              <a:t>Combined keywords from both .. Good mix od very similar items with items similar on some unusual way … sometimes though bad items bubble through</a:t>
+              <a:t>Combined keywords from both .. Good mix od very similar items with items similar on some unusual way … sometimes though bad items bubble </a:t>
+            </a:r>
+            <a:r>
+              <a:rPr lang="en-US" dirty="0" smtClean="0"/>
+              <a:t>through</a:t>
             </a:r>
             <a:endParaRPr lang="en-US" dirty="0"/>
           </a:p>
@@ -1269,7 +1566,11 @@
             </a:r>
             <a:r>
               <a:rPr lang="en-US" baseline="0" dirty="0" smtClean="0"/>
-              <a:t> be more similar in the ‘right’ categories</a:t>
+              <a:t> be more similar in the ‘right’ </a:t>
+            </a:r>
+            <a:r>
+              <a:rPr lang="en-US" baseline="0" dirty="0" smtClean="0"/>
+              <a:t>categories – similarity on important categories.</a:t>
             </a:r>
             <a:endParaRPr lang="en-US" dirty="0"/>
           </a:p>
@@ -1303,6 +1604,204 @@
     <p:extLst>
       <p:ext uri="{BB962C8B-B14F-4D97-AF65-F5344CB8AC3E}">
         <p14:creationId xmlns:p14="http://schemas.microsoft.com/office/powerpoint/2010/main" val="3739447310"/>
+      </p:ext>
+    </p:extLst>
+  </p:cSld>
+  <p:clrMapOvr>
+    <a:masterClrMapping/>
+  </p:clrMapOvr>
+</p:notes>
+</file>
+
+<file path=ppt/notesSlides/notesSlide8.xml><?xml version="1.0" encoding="utf-8"?>
+<p:notes xmlns:a="http://schemas.openxmlformats.org/drawingml/2006/main" xmlns:r="http://schemas.openxmlformats.org/officeDocument/2006/relationships" xmlns:p="http://schemas.openxmlformats.org/presentationml/2006/main">
+  <p:cSld>
+    <p:spTree>
+      <p:nvGrpSpPr>
+        <p:cNvPr id="1" name=""/>
+        <p:cNvGrpSpPr/>
+        <p:nvPr/>
+      </p:nvGrpSpPr>
+      <p:grpSpPr>
+        <a:xfrm>
+          <a:off x="0" y="0"/>
+          <a:ext cx="0" cy="0"/>
+          <a:chOff x="0" y="0"/>
+          <a:chExt cx="0" cy="0"/>
+        </a:xfrm>
+      </p:grpSpPr>
+      <p:sp>
+        <p:nvSpPr>
+          <p:cNvPr id="2" name="Slide Image Placeholder 1"/>
+          <p:cNvSpPr>
+            <a:spLocks noGrp="1" noRot="1" noChangeAspect="1"/>
+          </p:cNvSpPr>
+          <p:nvPr>
+            <p:ph type="sldImg"/>
+          </p:nvPr>
+        </p:nvSpPr>
+        <p:spPr/>
+      </p:sp>
+      <p:sp>
+        <p:nvSpPr>
+          <p:cNvPr id="3" name="Notes Placeholder 2"/>
+          <p:cNvSpPr>
+            <a:spLocks noGrp="1"/>
+          </p:cNvSpPr>
+          <p:nvPr>
+            <p:ph type="body" idx="1"/>
+          </p:nvPr>
+        </p:nvSpPr>
+        <p:spPr/>
+        <p:txBody>
+          <a:bodyPr/>
+          <a:lstStyle/>
+          <a:p>
+            <a:r>
+              <a:rPr lang="en-US" dirty="0" smtClean="0"/>
+              <a:t>Randomly chosen</a:t>
+            </a:r>
+            <a:r>
+              <a:rPr lang="en-US" baseline="0" dirty="0" smtClean="0"/>
+              <a:t> drinks, 5 rows in random order corresponding to the methods, each with 3 drinks – selected best row gains a point</a:t>
+            </a:r>
+          </a:p>
+          <a:p>
+            <a:r>
+              <a:rPr lang="en-US" baseline="0" dirty="0" smtClean="0"/>
+              <a:t>Basic description and ingredients to help with choosing, still takes quite a lot of time</a:t>
+            </a:r>
+            <a:endParaRPr lang="en-US" dirty="0"/>
+          </a:p>
+        </p:txBody>
+      </p:sp>
+      <p:sp>
+        <p:nvSpPr>
+          <p:cNvPr id="4" name="Slide Number Placeholder 3"/>
+          <p:cNvSpPr>
+            <a:spLocks noGrp="1"/>
+          </p:cNvSpPr>
+          <p:nvPr>
+            <p:ph type="sldNum" sz="quarter" idx="10"/>
+          </p:nvPr>
+        </p:nvSpPr>
+        <p:spPr/>
+        <p:txBody>
+          <a:bodyPr/>
+          <a:lstStyle/>
+          <a:p>
+            <a:fld id="{33EFAA6C-2AC7-4B7E-83E0-5928ADC34D0B}" type="slidenum">
+              <a:rPr lang="cs-CZ" smtClean="0"/>
+              <a:pPr/>
+              <a:t>11</a:t>
+            </a:fld>
+            <a:endParaRPr lang="cs-CZ"/>
+          </a:p>
+        </p:txBody>
+      </p:sp>
+    </p:spTree>
+    <p:extLst>
+      <p:ext uri="{BB962C8B-B14F-4D97-AF65-F5344CB8AC3E}">
+        <p14:creationId xmlns:p14="http://schemas.microsoft.com/office/powerpoint/2010/main" val="987463190"/>
+      </p:ext>
+    </p:extLst>
+  </p:cSld>
+  <p:clrMapOvr>
+    <a:masterClrMapping/>
+  </p:clrMapOvr>
+</p:notes>
+</file>
+
+<file path=ppt/notesSlides/notesSlide9.xml><?xml version="1.0" encoding="utf-8"?>
+<p:notes xmlns:a="http://schemas.openxmlformats.org/drawingml/2006/main" xmlns:r="http://schemas.openxmlformats.org/officeDocument/2006/relationships" xmlns:p="http://schemas.openxmlformats.org/presentationml/2006/main">
+  <p:cSld>
+    <p:spTree>
+      <p:nvGrpSpPr>
+        <p:cNvPr id="1" name=""/>
+        <p:cNvGrpSpPr/>
+        <p:nvPr/>
+      </p:nvGrpSpPr>
+      <p:grpSpPr>
+        <a:xfrm>
+          <a:off x="0" y="0"/>
+          <a:ext cx="0" cy="0"/>
+          <a:chOff x="0" y="0"/>
+          <a:chExt cx="0" cy="0"/>
+        </a:xfrm>
+      </p:grpSpPr>
+      <p:sp>
+        <p:nvSpPr>
+          <p:cNvPr id="2" name="Slide Image Placeholder 1"/>
+          <p:cNvSpPr>
+            <a:spLocks noGrp="1" noRot="1" noChangeAspect="1"/>
+          </p:cNvSpPr>
+          <p:nvPr>
+            <p:ph type="sldImg"/>
+          </p:nvPr>
+        </p:nvSpPr>
+        <p:spPr/>
+      </p:sp>
+      <p:sp>
+        <p:nvSpPr>
+          <p:cNvPr id="3" name="Notes Placeholder 2"/>
+          <p:cNvSpPr>
+            <a:spLocks noGrp="1"/>
+          </p:cNvSpPr>
+          <p:nvPr>
+            <p:ph type="body" idx="1"/>
+          </p:nvPr>
+        </p:nvSpPr>
+        <p:spPr/>
+        <p:txBody>
+          <a:bodyPr/>
+          <a:lstStyle/>
+          <a:p>
+            <a:r>
+              <a:rPr lang="en-US" dirty="0" smtClean="0"/>
+              <a:t>Combined</a:t>
+            </a:r>
+            <a:r>
+              <a:rPr lang="en-US" baseline="0" dirty="0" smtClean="0"/>
+              <a:t> proved to be the best, although profile based methods also did well, and they make up a large portion of the Combined list.</a:t>
+            </a:r>
+          </a:p>
+          <a:p>
+            <a:r>
+              <a:rPr lang="en-US" baseline="0" dirty="0" smtClean="0"/>
+              <a:t>Description by itself is pretty poor, but works in Combined approach – key note – drinks provided by Description usually rank pretty high in Combined list, but not completely at the top</a:t>
+            </a:r>
+            <a:endParaRPr lang="en-US" dirty="0"/>
+          </a:p>
+        </p:txBody>
+      </p:sp>
+      <p:sp>
+        <p:nvSpPr>
+          <p:cNvPr id="4" name="Slide Number Placeholder 3"/>
+          <p:cNvSpPr>
+            <a:spLocks noGrp="1"/>
+          </p:cNvSpPr>
+          <p:nvPr>
+            <p:ph type="sldNum" sz="quarter" idx="10"/>
+          </p:nvPr>
+        </p:nvSpPr>
+        <p:spPr/>
+        <p:txBody>
+          <a:bodyPr/>
+          <a:lstStyle/>
+          <a:p>
+            <a:fld id="{33EFAA6C-2AC7-4B7E-83E0-5928ADC34D0B}" type="slidenum">
+              <a:rPr lang="cs-CZ" smtClean="0"/>
+              <a:pPr/>
+              <a:t>12</a:t>
+            </a:fld>
+            <a:endParaRPr lang="cs-CZ"/>
+          </a:p>
+        </p:txBody>
+      </p:sp>
+    </p:spTree>
+    <p:extLst>
+      <p:ext uri="{BB962C8B-B14F-4D97-AF65-F5344CB8AC3E}">
+        <p14:creationId xmlns:p14="http://schemas.microsoft.com/office/powerpoint/2010/main" val="1351780396"/>
       </p:ext>
     </p:extLst>
   </p:cSld>
@@ -10766,6 +11265,13 @@
   <p:clrMapOvr>
     <a:masterClrMapping/>
   </p:clrMapOvr>
+  <p:timing>
+    <p:tnLst>
+      <p:par>
+        <p:cTn id="1" dur="indefinite" restart="never" nodeType="tmRoot"/>
+      </p:par>
+    </p:tnLst>
+  </p:timing>
 </p:sld>
 </file>
 
@@ -10837,20 +11343,34 @@
           <a:bodyPr/>
           <a:lstStyle/>
           <a:p>
-            <a:r>
-              <a:rPr lang="en-US" dirty="0" smtClean="0"/>
-              <a:t>Evaluator screenshot</a:t>
-            </a:r>
-            <a:endParaRPr lang="en-US" dirty="0"/>
-          </a:p>
-          <a:p>
-            <a:r>
-              <a:rPr lang="en-US" dirty="0" smtClean="0"/>
-              <a:t>Short Description</a:t>
-            </a:r>
-          </a:p>
-        </p:txBody>
-      </p:sp>
+            <a:endParaRPr lang="en-US" dirty="0" smtClean="0"/>
+          </a:p>
+        </p:txBody>
+      </p:sp>
+      <p:pic>
+        <p:nvPicPr>
+          <p:cNvPr id="4" name="Picture 3"/>
+          <p:cNvPicPr>
+            <a:picLocks noChangeAspect="1"/>
+          </p:cNvPicPr>
+          <p:nvPr/>
+        </p:nvPicPr>
+        <p:blipFill>
+          <a:blip r:embed="rId3"/>
+          <a:stretch>
+            <a:fillRect/>
+          </a:stretch>
+        </p:blipFill>
+        <p:spPr>
+          <a:xfrm>
+            <a:off x="516158" y="1484785"/>
+            <a:ext cx="8111683" cy="4968592"/>
+          </a:xfrm>
+          <a:prstGeom prst="rect">
+            <a:avLst/>
+          </a:prstGeom>
+        </p:spPr>
+      </p:pic>
     </p:spTree>
     <p:extLst>
       <p:ext uri="{BB962C8B-B14F-4D97-AF65-F5344CB8AC3E}">
@@ -10861,6 +11381,13 @@
   <p:clrMapOvr>
     <a:masterClrMapping/>
   </p:clrMapOvr>
+  <p:timing>
+    <p:tnLst>
+      <p:par>
+        <p:cTn id="1" dur="indefinite" restart="never" nodeType="tmRoot"/>
+      </p:par>
+    </p:tnLst>
+  </p:timing>
 </p:sld>
 </file>
 
@@ -10912,34 +11439,35 @@
           </a:p>
         </p:txBody>
       </p:sp>
-      <p:sp>
-        <p:nvSpPr>
-          <p:cNvPr id="3" name="Content Placeholder 2"/>
-          <p:cNvSpPr>
-            <a:spLocks noGrp="1"/>
-          </p:cNvSpPr>
+      <p:pic>
+        <p:nvPicPr>
+          <p:cNvPr id="7" name="Content Placeholder 6"/>
+          <p:cNvPicPr>
+            <a:picLocks noGrp="1" noChangeAspect="1"/>
+          </p:cNvPicPr>
           <p:nvPr>
             <p:ph idx="1"/>
           </p:nvPr>
-        </p:nvSpPr>
+        </p:nvPicPr>
+        <p:blipFill>
+          <a:blip r:embed="rId3">
+            <a:extLst>
+              <a:ext uri="{28A0092B-C50C-407E-A947-70E740481C1C}">
+                <a14:useLocalDpi xmlns:a14="http://schemas.microsoft.com/office/drawing/2010/main" val="0"/>
+              </a:ext>
+            </a:extLst>
+          </a:blip>
+          <a:stretch>
+            <a:fillRect/>
+          </a:stretch>
+        </p:blipFill>
         <p:spPr>
           <a:xfrm>
-            <a:off x="914400" y="1484785"/>
-            <a:ext cx="7315200" cy="4824576"/>
+            <a:off x="1191350" y="913464"/>
+            <a:ext cx="6761300" cy="5916138"/>
           </a:xfrm>
         </p:spPr>
-        <p:txBody>
-          <a:bodyPr/>
-          <a:lstStyle/>
-          <a:p>
-            <a:r>
-              <a:rPr lang="en-US" dirty="0" smtClean="0"/>
-              <a:t>Graph of the evaluation results + commentary about it</a:t>
-            </a:r>
-            <a:endParaRPr lang="cs-CZ" dirty="0"/>
-          </a:p>
-        </p:txBody>
-      </p:sp>
+      </p:pic>
     </p:spTree>
     <p:extLst>
       <p:ext uri="{BB962C8B-B14F-4D97-AF65-F5344CB8AC3E}">
@@ -10950,6 +11478,13 @@
   <p:clrMapOvr>
     <a:masterClrMapping/>
   </p:clrMapOvr>
+  <p:timing>
+    <p:tnLst>
+      <p:par>
+        <p:cTn id="1" dur="indefinite" restart="never" nodeType="tmRoot"/>
+      </p:par>
+    </p:tnLst>
+  </p:timing>
 </p:sld>
 </file>
 
@@ -10988,73 +11523,112 @@
         </p:spPr>
         <p:txBody>
           <a:bodyPr>
-            <a:normAutofit/>
+            <a:normAutofit fontScale="90000"/>
           </a:bodyPr>
           <a:lstStyle/>
           <a:p>
             <a:pPr algn="ctr"/>
             <a:r>
+              <a:rPr lang="en-US" sz="3200" dirty="0"/>
+              <a:t>Profile vs </a:t>
+            </a:r>
+            <a:r>
               <a:rPr lang="en-US" sz="3200" dirty="0" smtClean="0"/>
-              <a:t>Evaluation</a:t>
+              <a:t>Description</a:t>
             </a:r>
             <a:endParaRPr lang="cs-CZ" sz="3200" dirty="0"/>
           </a:p>
         </p:txBody>
       </p:sp>
-      <p:sp>
-        <p:nvSpPr>
-          <p:cNvPr id="3" name="Content Placeholder 2"/>
-          <p:cNvSpPr>
-            <a:spLocks noGrp="1"/>
-          </p:cNvSpPr>
+      <p:pic>
+        <p:nvPicPr>
+          <p:cNvPr id="4" name="Content Placeholder 3"/>
+          <p:cNvPicPr>
+            <a:picLocks noGrp="1" noChangeAspect="1"/>
+          </p:cNvPicPr>
           <p:nvPr>
             <p:ph idx="1"/>
           </p:nvPr>
-        </p:nvSpPr>
+        </p:nvPicPr>
+        <p:blipFill>
+          <a:blip r:embed="rId3">
+            <a:extLst>
+              <a:ext uri="{28A0092B-C50C-407E-A947-70E740481C1C}">
+                <a14:useLocalDpi xmlns:a14="http://schemas.microsoft.com/office/drawing/2010/main" val="0"/>
+              </a:ext>
+            </a:extLst>
+          </a:blip>
+          <a:stretch>
+            <a:fillRect/>
+          </a:stretch>
+        </p:blipFill>
         <p:spPr>
           <a:xfrm>
-            <a:off x="914400" y="1484785"/>
-            <a:ext cx="7315200" cy="4824576"/>
+            <a:off x="298256" y="1018175"/>
+            <a:ext cx="3794959" cy="2846219"/>
           </a:xfrm>
         </p:spPr>
-        <p:txBody>
-          <a:bodyPr/>
-          <a:lstStyle/>
-          <a:p>
-            <a:r>
-              <a:rPr lang="en-US" dirty="0" smtClean="0"/>
-              <a:t>Graphs about how different are the sets produce by selected methods ?</a:t>
-            </a:r>
-          </a:p>
-          <a:p>
-            <a:r>
-              <a:rPr lang="en-US" dirty="0" smtClean="0"/>
-              <a:t>Profile vs Description</a:t>
-            </a:r>
-          </a:p>
-          <a:p>
-            <a:r>
-              <a:rPr lang="en-US" dirty="0" smtClean="0"/>
-              <a:t>Boosted </a:t>
-            </a:r>
-            <a:r>
-              <a:rPr lang="en-US" dirty="0"/>
-              <a:t>P</a:t>
-            </a:r>
-            <a:r>
-              <a:rPr lang="en-US" dirty="0" smtClean="0"/>
-              <a:t>rofile vs Profile</a:t>
-            </a:r>
-          </a:p>
-          <a:p>
-            <a:r>
-              <a:rPr lang="en-US" dirty="0" smtClean="0"/>
-              <a:t>Profile vs Combined</a:t>
-            </a:r>
-            <a:endParaRPr lang="cs-CZ" dirty="0"/>
-          </a:p>
-        </p:txBody>
-      </p:sp>
+      </p:pic>
+      <p:pic>
+        <p:nvPicPr>
+          <p:cNvPr id="5" name="Picture 4"/>
+          <p:cNvPicPr>
+            <a:picLocks noChangeAspect="1"/>
+          </p:cNvPicPr>
+          <p:nvPr/>
+        </p:nvPicPr>
+        <p:blipFill>
+          <a:blip r:embed="rId4">
+            <a:extLst>
+              <a:ext uri="{28A0092B-C50C-407E-A947-70E740481C1C}">
+                <a14:useLocalDpi xmlns:a14="http://schemas.microsoft.com/office/drawing/2010/main" val="0"/>
+              </a:ext>
+            </a:extLst>
+          </a:blip>
+          <a:stretch>
+            <a:fillRect/>
+          </a:stretch>
+        </p:blipFill>
+        <p:spPr>
+          <a:xfrm>
+            <a:off x="2267744" y="3988682"/>
+            <a:ext cx="3766258" cy="2824694"/>
+          </a:xfrm>
+          <a:prstGeom prst="rect">
+            <a:avLst/>
+          </a:prstGeom>
+        </p:spPr>
+      </p:pic>
+      <p:pic>
+        <p:nvPicPr>
+          <p:cNvPr id="6" name="Picture 5"/>
+          <p:cNvPicPr>
+            <a:picLocks noChangeAspect="1"/>
+          </p:cNvPicPr>
+          <p:nvPr/>
+        </p:nvPicPr>
+        <p:blipFill>
+          <a:blip r:embed="rId5">
+            <a:extLst>
+              <a:ext uri="{28A0092B-C50C-407E-A947-70E740481C1C}">
+                <a14:useLocalDpi xmlns:a14="http://schemas.microsoft.com/office/drawing/2010/main" val="0"/>
+              </a:ext>
+            </a:extLst>
+          </a:blip>
+          <a:stretch>
+            <a:fillRect/>
+          </a:stretch>
+        </p:blipFill>
+        <p:spPr>
+          <a:xfrm>
+            <a:off x="4258453" y="1018175"/>
+            <a:ext cx="3794959" cy="2846219"/>
+          </a:xfrm>
+          <a:prstGeom prst="rect">
+            <a:avLst/>
+          </a:prstGeom>
+        </p:spPr>
+      </p:pic>
     </p:spTree>
     <p:extLst>
       <p:ext uri="{BB962C8B-B14F-4D97-AF65-F5344CB8AC3E}">
@@ -11065,10 +11639,335 @@
   <p:clrMapOvr>
     <a:masterClrMapping/>
   </p:clrMapOvr>
+  <p:timing>
+    <p:tnLst>
+      <p:par>
+        <p:cTn id="1" dur="indefinite" restart="never" nodeType="tmRoot"/>
+      </p:par>
+    </p:tnLst>
+  </p:timing>
 </p:sld>
 </file>
 
 <file path=ppt/slides/slide14.xml><?xml version="1.0" encoding="utf-8"?>
+<p:sld xmlns:a="http://schemas.openxmlformats.org/drawingml/2006/main" xmlns:r="http://schemas.openxmlformats.org/officeDocument/2006/relationships" xmlns:p="http://schemas.openxmlformats.org/presentationml/2006/main">
+  <p:cSld>
+    <p:spTree>
+      <p:nvGrpSpPr>
+        <p:cNvPr id="1" name=""/>
+        <p:cNvGrpSpPr/>
+        <p:nvPr/>
+      </p:nvGrpSpPr>
+      <p:grpSpPr>
+        <a:xfrm>
+          <a:off x="0" y="0"/>
+          <a:ext cx="0" cy="0"/>
+          <a:chOff x="0" y="0"/>
+          <a:chExt cx="0" cy="0"/>
+        </a:xfrm>
+      </p:grpSpPr>
+      <p:sp>
+        <p:nvSpPr>
+          <p:cNvPr id="2" name="Title 1"/>
+          <p:cNvSpPr>
+            <a:spLocks noGrp="1"/>
+          </p:cNvSpPr>
+          <p:nvPr>
+            <p:ph type="title"/>
+          </p:nvPr>
+        </p:nvSpPr>
+        <p:spPr>
+          <a:xfrm>
+            <a:off x="2235442" y="404664"/>
+            <a:ext cx="4673116" cy="588141"/>
+          </a:xfrm>
+        </p:spPr>
+        <p:txBody>
+          <a:bodyPr>
+            <a:normAutofit fontScale="90000"/>
+          </a:bodyPr>
+          <a:lstStyle/>
+          <a:p>
+            <a:pPr algn="ctr"/>
+            <a:r>
+              <a:rPr lang="en-US" sz="3200" dirty="0"/>
+              <a:t>Boosted Profile vs </a:t>
+            </a:r>
+            <a:r>
+              <a:rPr lang="en-US" sz="3200" dirty="0" smtClean="0"/>
+              <a:t>Profile</a:t>
+            </a:r>
+            <a:endParaRPr lang="cs-CZ" sz="3200" dirty="0"/>
+          </a:p>
+        </p:txBody>
+      </p:sp>
+      <p:pic>
+        <p:nvPicPr>
+          <p:cNvPr id="4" name="Content Placeholder 3"/>
+          <p:cNvPicPr>
+            <a:picLocks noGrp="1" noChangeAspect="1"/>
+          </p:cNvPicPr>
+          <p:nvPr>
+            <p:ph idx="1"/>
+          </p:nvPr>
+        </p:nvPicPr>
+        <p:blipFill>
+          <a:blip r:embed="rId3">
+            <a:extLst>
+              <a:ext uri="{28A0092B-C50C-407E-A947-70E740481C1C}">
+                <a14:useLocalDpi xmlns:a14="http://schemas.microsoft.com/office/drawing/2010/main" val="0"/>
+              </a:ext>
+            </a:extLst>
+          </a:blip>
+          <a:stretch>
+            <a:fillRect/>
+          </a:stretch>
+        </p:blipFill>
+        <p:spPr>
+          <a:xfrm>
+            <a:off x="323528" y="1035703"/>
+            <a:ext cx="3767127" cy="2825345"/>
+          </a:xfrm>
+        </p:spPr>
+      </p:pic>
+      <p:pic>
+        <p:nvPicPr>
+          <p:cNvPr id="5" name="Picture 4"/>
+          <p:cNvPicPr>
+            <a:picLocks noChangeAspect="1"/>
+          </p:cNvPicPr>
+          <p:nvPr/>
+        </p:nvPicPr>
+        <p:blipFill>
+          <a:blip r:embed="rId4">
+            <a:extLst>
+              <a:ext uri="{28A0092B-C50C-407E-A947-70E740481C1C}">
+                <a14:useLocalDpi xmlns:a14="http://schemas.microsoft.com/office/drawing/2010/main" val="0"/>
+              </a:ext>
+            </a:extLst>
+          </a:blip>
+          <a:stretch>
+            <a:fillRect/>
+          </a:stretch>
+        </p:blipFill>
+        <p:spPr>
+          <a:xfrm>
+            <a:off x="2267744" y="3988031"/>
+            <a:ext cx="3767127" cy="2825345"/>
+          </a:xfrm>
+          <a:prstGeom prst="rect">
+            <a:avLst/>
+          </a:prstGeom>
+        </p:spPr>
+      </p:pic>
+      <p:pic>
+        <p:nvPicPr>
+          <p:cNvPr id="6" name="Picture 5"/>
+          <p:cNvPicPr>
+            <a:picLocks noChangeAspect="1"/>
+          </p:cNvPicPr>
+          <p:nvPr/>
+        </p:nvPicPr>
+        <p:blipFill>
+          <a:blip r:embed="rId5">
+            <a:extLst>
+              <a:ext uri="{28A0092B-C50C-407E-A947-70E740481C1C}">
+                <a14:useLocalDpi xmlns:a14="http://schemas.microsoft.com/office/drawing/2010/main" val="0"/>
+              </a:ext>
+            </a:extLst>
+          </a:blip>
+          <a:stretch>
+            <a:fillRect/>
+          </a:stretch>
+        </p:blipFill>
+        <p:spPr>
+          <a:xfrm>
+            <a:off x="4261257" y="1035703"/>
+            <a:ext cx="3767127" cy="2825345"/>
+          </a:xfrm>
+          <a:prstGeom prst="rect">
+            <a:avLst/>
+          </a:prstGeom>
+        </p:spPr>
+      </p:pic>
+    </p:spTree>
+    <p:extLst>
+      <p:ext uri="{BB962C8B-B14F-4D97-AF65-F5344CB8AC3E}">
+        <p14:creationId xmlns:p14="http://schemas.microsoft.com/office/powerpoint/2010/main" val="1755259177"/>
+      </p:ext>
+    </p:extLst>
+  </p:cSld>
+  <p:clrMapOvr>
+    <a:masterClrMapping/>
+  </p:clrMapOvr>
+  <p:timing>
+    <p:tnLst>
+      <p:par>
+        <p:cTn id="1" dur="indefinite" restart="never" nodeType="tmRoot"/>
+      </p:par>
+    </p:tnLst>
+  </p:timing>
+</p:sld>
+</file>
+
+<file path=ppt/slides/slide15.xml><?xml version="1.0" encoding="utf-8"?>
+<p:sld xmlns:a="http://schemas.openxmlformats.org/drawingml/2006/main" xmlns:r="http://schemas.openxmlformats.org/officeDocument/2006/relationships" xmlns:p="http://schemas.openxmlformats.org/presentationml/2006/main">
+  <p:cSld>
+    <p:spTree>
+      <p:nvGrpSpPr>
+        <p:cNvPr id="1" name=""/>
+        <p:cNvGrpSpPr/>
+        <p:nvPr/>
+      </p:nvGrpSpPr>
+      <p:grpSpPr>
+        <a:xfrm>
+          <a:off x="0" y="0"/>
+          <a:ext cx="0" cy="0"/>
+          <a:chOff x="0" y="0"/>
+          <a:chExt cx="0" cy="0"/>
+        </a:xfrm>
+      </p:grpSpPr>
+      <p:sp>
+        <p:nvSpPr>
+          <p:cNvPr id="2" name="Title 1"/>
+          <p:cNvSpPr>
+            <a:spLocks noGrp="1"/>
+          </p:cNvSpPr>
+          <p:nvPr>
+            <p:ph type="title"/>
+          </p:nvPr>
+        </p:nvSpPr>
+        <p:spPr>
+          <a:xfrm>
+            <a:off x="2707196" y="392587"/>
+            <a:ext cx="3729608" cy="588141"/>
+          </a:xfrm>
+        </p:spPr>
+        <p:txBody>
+          <a:bodyPr>
+            <a:normAutofit fontScale="90000"/>
+          </a:bodyPr>
+          <a:lstStyle/>
+          <a:p>
+            <a:pPr algn="ctr"/>
+            <a:r>
+              <a:rPr lang="en-US" sz="3200" dirty="0"/>
+              <a:t>Profile vs Combined</a:t>
+            </a:r>
+            <a:endParaRPr lang="cs-CZ" sz="3200" dirty="0"/>
+          </a:p>
+        </p:txBody>
+      </p:sp>
+      <p:pic>
+        <p:nvPicPr>
+          <p:cNvPr id="4" name="Content Placeholder 3"/>
+          <p:cNvPicPr>
+            <a:picLocks noGrp="1" noChangeAspect="1"/>
+          </p:cNvPicPr>
+          <p:nvPr>
+            <p:ph idx="1"/>
+          </p:nvPr>
+        </p:nvPicPr>
+        <p:blipFill>
+          <a:blip r:embed="rId3">
+            <a:extLst>
+              <a:ext uri="{28A0092B-C50C-407E-A947-70E740481C1C}">
+                <a14:useLocalDpi xmlns:a14="http://schemas.microsoft.com/office/drawing/2010/main" val="0"/>
+              </a:ext>
+            </a:extLst>
+          </a:blip>
+          <a:stretch>
+            <a:fillRect/>
+          </a:stretch>
+        </p:blipFill>
+        <p:spPr>
+          <a:xfrm>
+            <a:off x="323527" y="998730"/>
+            <a:ext cx="3826155" cy="2869616"/>
+          </a:xfrm>
+        </p:spPr>
+      </p:pic>
+      <p:pic>
+        <p:nvPicPr>
+          <p:cNvPr id="5" name="Picture 4"/>
+          <p:cNvPicPr>
+            <a:picLocks noChangeAspect="1"/>
+          </p:cNvPicPr>
+          <p:nvPr/>
+        </p:nvPicPr>
+        <p:blipFill>
+          <a:blip r:embed="rId4">
+            <a:extLst>
+              <a:ext uri="{28A0092B-C50C-407E-A947-70E740481C1C}">
+                <a14:useLocalDpi xmlns:a14="http://schemas.microsoft.com/office/drawing/2010/main" val="0"/>
+              </a:ext>
+            </a:extLst>
+          </a:blip>
+          <a:stretch>
+            <a:fillRect/>
+          </a:stretch>
+        </p:blipFill>
+        <p:spPr>
+          <a:xfrm>
+            <a:off x="2267743" y="3943761"/>
+            <a:ext cx="3826155" cy="2869616"/>
+          </a:xfrm>
+          <a:prstGeom prst="rect">
+            <a:avLst/>
+          </a:prstGeom>
+        </p:spPr>
+      </p:pic>
+      <p:pic>
+        <p:nvPicPr>
+          <p:cNvPr id="6" name="Picture 5"/>
+          <p:cNvPicPr>
+            <a:picLocks noChangeAspect="1"/>
+          </p:cNvPicPr>
+          <p:nvPr/>
+        </p:nvPicPr>
+        <p:blipFill>
+          <a:blip r:embed="rId5">
+            <a:extLst>
+              <a:ext uri="{28A0092B-C50C-407E-A947-70E740481C1C}">
+                <a14:useLocalDpi xmlns:a14="http://schemas.microsoft.com/office/drawing/2010/main" val="0"/>
+              </a:ext>
+            </a:extLst>
+          </a:blip>
+          <a:stretch>
+            <a:fillRect/>
+          </a:stretch>
+        </p:blipFill>
+        <p:spPr>
+          <a:xfrm>
+            <a:off x="4274237" y="998730"/>
+            <a:ext cx="3826155" cy="2869616"/>
+          </a:xfrm>
+          <a:prstGeom prst="rect">
+            <a:avLst/>
+          </a:prstGeom>
+        </p:spPr>
+      </p:pic>
+    </p:spTree>
+    <p:extLst>
+      <p:ext uri="{BB962C8B-B14F-4D97-AF65-F5344CB8AC3E}">
+        <p14:creationId xmlns:p14="http://schemas.microsoft.com/office/powerpoint/2010/main" val="429966874"/>
+      </p:ext>
+    </p:extLst>
+  </p:cSld>
+  <p:clrMapOvr>
+    <a:masterClrMapping/>
+  </p:clrMapOvr>
+  <p:timing>
+    <p:tnLst>
+      <p:par>
+        <p:cTn id="1" dur="indefinite" restart="never" nodeType="tmRoot"/>
+      </p:par>
+    </p:tnLst>
+  </p:timing>
+</p:sld>
+</file>
+
+<file path=ppt/slides/slide16.xml><?xml version="1.0" encoding="utf-8"?>
 <p:sld xmlns:a="http://schemas.openxmlformats.org/drawingml/2006/main" xmlns:r="http://schemas.openxmlformats.org/officeDocument/2006/relationships" xmlns:p="http://schemas.openxmlformats.org/presentationml/2006/main">
   <p:cSld>
     <p:spTree>
@@ -11861,8 +12760,13 @@
           <a:p>
             <a:r>
               <a:rPr lang="en-US" dirty="0" smtClean="0"/>
-              <a:t>Content-Based (TF-IDF)</a:t>
-            </a:r>
+              <a:t>Content-Based (</a:t>
+            </a:r>
+            <a:r>
+              <a:rPr lang="en-US" dirty="0" smtClean="0"/>
+              <a:t>TF-IDF, cosine similarity)</a:t>
+            </a:r>
+            <a:endParaRPr lang="en-US" dirty="0" smtClean="0"/>
           </a:p>
           <a:p>
             <a:endParaRPr lang="en-US" dirty="0" smtClean="0"/>
@@ -12508,7 +13412,15 @@
           <a:p>
             <a:r>
               <a:rPr lang="en-US" dirty="0" smtClean="0"/>
-              <a:t>Sometimes unrelated results appear</a:t>
+              <a:t>Poorer </a:t>
+            </a:r>
+            <a:r>
+              <a:rPr lang="en-US" dirty="0" smtClean="0"/>
+              <a:t>results still </a:t>
+            </a:r>
+            <a:r>
+              <a:rPr lang="en-US" smtClean="0"/>
+              <a:t>appear sometimes</a:t>
             </a:r>
             <a:endParaRPr lang="cs-CZ" dirty="0"/>
           </a:p>
